--- a/usefulTools/TestFilesAndDocuments/steering committee/NeCTAR/Steering Committee Meetings/Steering Committee Meeting March_2013.pptx
+++ b/usefulTools/TestFilesAndDocuments/steering committee/NeCTAR/Steering Committee Meetings/Steering Committee Meeting March_2013.pptx
@@ -202,7 +202,7 @@
             <a:fld id="{92B19F2E-EF50-DE4D-908B-6C00CF9B5377}" type="datetimeFigureOut">
               <a:rPr lang="en-US" smtClean="0"/>
               <a:pPr/>
-              <a:t>3/25/2013</a:t>
+              <a:t>3/26/13</a:t>
             </a:fld>
             <a:endParaRPr lang="en-US"/>
           </a:p>
@@ -371,6 +371,11 @@
         </p:txBody>
       </p:sp>
     </p:spTree>
+    <p:extLst>
+      <p:ext uri="{BB962C8B-B14F-4D97-AF65-F5344CB8AC3E}">
+        <p14:creationId xmlns:p14="http://schemas.microsoft.com/office/powerpoint/2010/main" val="3172385132"/>
+      </p:ext>
+    </p:extLst>
   </p:cSld>
   <p:clrMap bg1="lt1" tx1="dk1" bg2="lt2" tx2="dk2" accent1="accent1" accent2="accent2" accent3="accent3" accent4="accent4" accent5="accent5" accent6="accent6" hlink="hlink" folHlink="folHlink"/>
   <p:notesStyle>
@@ -837,7 +842,7 @@
             <a:fld id="{B50F8758-A08F-1348-96F2-3E0A00C94667}" type="datetimeFigureOut">
               <a:rPr lang="en-US" smtClean="0"/>
               <a:pPr/>
-              <a:t>3/25/2013</a:t>
+              <a:t>3/26/13</a:t>
             </a:fld>
             <a:endParaRPr lang="en-US"/>
           </a:p>
@@ -1030,7 +1035,7 @@
             <a:fld id="{B50F8758-A08F-1348-96F2-3E0A00C94667}" type="datetimeFigureOut">
               <a:rPr lang="en-US" smtClean="0"/>
               <a:pPr/>
-              <a:t>3/25/2013</a:t>
+              <a:t>3/26/13</a:t>
             </a:fld>
             <a:endParaRPr lang="en-US"/>
           </a:p>
@@ -1212,7 +1217,7 @@
             <a:fld id="{B50F8758-A08F-1348-96F2-3E0A00C94667}" type="datetimeFigureOut">
               <a:rPr lang="en-US" smtClean="0"/>
               <a:pPr/>
-              <a:t>3/25/2013</a:t>
+              <a:t>3/26/13</a:t>
             </a:fld>
             <a:endParaRPr lang="en-US"/>
           </a:p>
@@ -1477,7 +1482,7 @@
             <a:fld id="{B50F8758-A08F-1348-96F2-3E0A00C94667}" type="datetimeFigureOut">
               <a:rPr lang="en-US" smtClean="0"/>
               <a:pPr/>
-              <a:t>3/25/2013</a:t>
+              <a:t>3/26/13</a:t>
             </a:fld>
             <a:endParaRPr lang="en-US"/>
           </a:p>
@@ -1805,7 +1810,7 @@
             <a:fld id="{B50F8758-A08F-1348-96F2-3E0A00C94667}" type="datetimeFigureOut">
               <a:rPr lang="en-US" smtClean="0"/>
               <a:pPr/>
-              <a:t>3/25/2013</a:t>
+              <a:t>3/26/13</a:t>
             </a:fld>
             <a:endParaRPr lang="en-US"/>
           </a:p>
@@ -2049,7 +2054,7 @@
             <a:fld id="{B50F8758-A08F-1348-96F2-3E0A00C94667}" type="datetimeFigureOut">
               <a:rPr lang="en-US" smtClean="0"/>
               <a:pPr/>
-              <a:t>3/25/2013</a:t>
+              <a:t>3/26/13</a:t>
             </a:fld>
             <a:endParaRPr lang="en-US"/>
           </a:p>
@@ -2287,7 +2292,7 @@
             <a:fld id="{B50F8758-A08F-1348-96F2-3E0A00C94667}" type="datetimeFigureOut">
               <a:rPr lang="en-US" smtClean="0"/>
               <a:pPr/>
-              <a:t>3/25/2013</a:t>
+              <a:t>3/26/13</a:t>
             </a:fld>
             <a:endParaRPr lang="en-US"/>
           </a:p>
@@ -2484,7 +2489,7 @@
             <a:fld id="{B50F8758-A08F-1348-96F2-3E0A00C94667}" type="datetimeFigureOut">
               <a:rPr lang="en-US" smtClean="0"/>
               <a:pPr/>
-              <a:t>3/25/2013</a:t>
+              <a:t>3/26/13</a:t>
             </a:fld>
             <a:endParaRPr lang="en-US"/>
           </a:p>
@@ -2584,7 +2589,7 @@
             <a:fld id="{B50F8758-A08F-1348-96F2-3E0A00C94667}" type="datetimeFigureOut">
               <a:rPr lang="en-US" smtClean="0"/>
               <a:pPr/>
-              <a:t>3/25/2013</a:t>
+              <a:t>3/26/13</a:t>
             </a:fld>
             <a:endParaRPr lang="en-US"/>
           </a:p>
@@ -2722,7 +2727,7 @@
             <a:fld id="{B50F8758-A08F-1348-96F2-3E0A00C94667}" type="datetimeFigureOut">
               <a:rPr lang="en-US" smtClean="0"/>
               <a:pPr/>
-              <a:t>3/25/2013</a:t>
+              <a:t>3/26/13</a:t>
             </a:fld>
             <a:endParaRPr lang="en-US"/>
           </a:p>
@@ -3237,7 +3242,7 @@
             <a:fld id="{B50F8758-A08F-1348-96F2-3E0A00C94667}" type="datetimeFigureOut">
               <a:rPr lang="en-US" smtClean="0"/>
               <a:pPr/>
-              <a:t>3/25/2013</a:t>
+              <a:t>3/26/13</a:t>
             </a:fld>
             <a:endParaRPr lang="en-US"/>
           </a:p>
@@ -3500,7 +3505,7 @@
             <a:fld id="{B50F8758-A08F-1348-96F2-3E0A00C94667}" type="datetimeFigureOut">
               <a:rPr lang="en-US" smtClean="0"/>
               <a:pPr/>
-              <a:t>3/25/2013</a:t>
+              <a:t>3/26/13</a:t>
             </a:fld>
             <a:endParaRPr lang="en-US"/>
           </a:p>
@@ -4088,13 +4093,8 @@
           <a:p>
             <a:r>
               <a:rPr lang="en-US" sz="3200" dirty="0" smtClean="0"/>
-              <a:t>Steering Committee Meeting </a:t>
-            </a:r>
-            <a:r>
-              <a:rPr lang="en-US" sz="3200" dirty="0" smtClean="0"/>
-              <a:t>27 March 2013</a:t>
-            </a:r>
-            <a:endParaRPr lang="en-US" sz="3200" dirty="0" smtClean="0"/>
+              <a:t>Steering Committee Meeting 27 March 2013</a:t>
+            </a:r>
           </a:p>
           <a:p>
             <a:endParaRPr lang="en-US" dirty="0" smtClean="0"/>
@@ -4188,7 +4188,7 @@
   <p:timing>
     <p:tnLst>
       <p:par>
-        <p:cTn id="1" dur="indefinite" restart="never" nodeType="tmRoot"/>
+        <p:cTn xmlns:p14="http://schemas.microsoft.com/office/powerpoint/2010/main" id="1" dur="indefinite" restart="never" nodeType="tmRoot"/>
       </p:par>
     </p:tnLst>
   </p:timing>
@@ -4353,11 +4353,7 @@
             </a:pPr>
             <a:r>
               <a:rPr lang="en-AU" dirty="0" smtClean="0"/>
-              <a:t>Project </a:t>
-            </a:r>
-            <a:r>
-              <a:rPr lang="en-AU" dirty="0" smtClean="0"/>
-              <a:t>Report</a:t>
+              <a:t>Project Report</a:t>
             </a:r>
           </a:p>
           <a:p>
@@ -4385,13 +4381,8 @@
             <a:pPr marL="834390" lvl="1" indent="-514350"/>
             <a:r>
               <a:rPr lang="en-AU" dirty="0" smtClean="0"/>
-              <a:t>External </a:t>
-            </a:r>
-            <a:r>
-              <a:rPr lang="en-AU" dirty="0" smtClean="0"/>
-              <a:t>Dependencies</a:t>
-            </a:r>
-            <a:endParaRPr lang="en-AU" dirty="0" smtClean="0"/>
+              <a:t>External Dependencies</a:t>
+            </a:r>
           </a:p>
           <a:p>
             <a:pPr marL="514350" lvl="0" indent="-514350">
@@ -4412,7 +4403,6 @@
               <a:rPr lang="en-AU" dirty="0" smtClean="0"/>
               <a:t>Approach going forward</a:t>
             </a:r>
-            <a:endParaRPr lang="en-AU" dirty="0" smtClean="0"/>
           </a:p>
           <a:p>
             <a:pPr marL="560070" indent="-514350"/>
@@ -4474,11 +4464,17 @@
           <p:cNvGraphicFramePr>
             <a:graphicFrameLocks noGrp="1"/>
           </p:cNvGraphicFramePr>
-          <p:nvPr/>
+          <p:nvPr>
+            <p:extLst>
+              <p:ext uri="{D42A27DB-BD31-4B8C-83A1-F6EECF244321}">
+                <p14:modId xmlns:p14="http://schemas.microsoft.com/office/powerpoint/2010/main" val="666506043"/>
+              </p:ext>
+            </p:extLst>
+          </p:nvPr>
         </p:nvGraphicFramePr>
         <p:xfrm>
-          <a:off x="612645" y="1720645"/>
-          <a:ext cx="8344542" cy="4251960"/>
+          <a:off x="612645" y="1193277"/>
+          <a:ext cx="8344542" cy="4973319"/>
         </p:xfrm>
         <a:graphic>
           <a:graphicData uri="http://schemas.openxmlformats.org/drawingml/2006/table">
@@ -4537,6 +4533,14 @@
                         </a:rPr>
                         <a:t>Paul White to investigate starting a BLOG for the project</a:t>
                       </a:r>
+                      <a:endParaRPr kumimoji="0" lang="en-AU" sz="1600" kern="1200" dirty="0" smtClean="0">
+                        <a:solidFill>
+                          <a:schemeClr val="dk1"/>
+                        </a:solidFill>
+                        <a:latin typeface="+mn-lt"/>
+                        <a:ea typeface="+mn-ea"/>
+                        <a:cs typeface="+mn-cs"/>
+                      </a:endParaRPr>
                     </a:p>
                   </a:txBody>
                   <a:tcPr/>
@@ -4548,7 +4552,15 @@
                     <a:p>
                       <a:r>
                         <a:rPr lang="en-AU" sz="1600" dirty="0" smtClean="0"/>
-                        <a:t>http://thearktools.blogspot.com.au/</a:t>
+                        <a:t>Completed.  Expanded, and project documents updated on </a:t>
+                      </a:r>
+                      <a:r>
+                        <a:rPr lang="en-AU" sz="1600" dirty="0" err="1" smtClean="0"/>
+                        <a:t>NeCTAR</a:t>
+                      </a:r>
+                      <a:r>
+                        <a:rPr lang="en-AU" sz="1600" baseline="0" dirty="0" smtClean="0"/>
+                        <a:t> page.  Will update at least monthly</a:t>
                       </a:r>
                       <a:endParaRPr lang="en-AU" sz="1600" dirty="0"/>
                     </a:p>
@@ -4557,6 +4569,208 @@
                 </a:tc>
               </a:tr>
               <a:tr h="370840">
+                <a:tc>
+                  <a:txBody>
+                    <a:bodyPr/>
+                    <a:lstStyle/>
+                    <a:p>
+                      <a:r>
+                        <a:rPr kumimoji="0" lang="en-AU" sz="1400" kern="1200" dirty="0" err="1" smtClean="0">
+                          <a:solidFill>
+                            <a:schemeClr val="dk1"/>
+                          </a:solidFill>
+                          <a:effectLst/>
+                          <a:latin typeface="+mn-lt"/>
+                          <a:ea typeface="+mn-ea"/>
+                          <a:cs typeface="+mn-cs"/>
+                        </a:rPr>
+                        <a:t>Nik</a:t>
+                      </a:r>
+                      <a:r>
+                        <a:rPr kumimoji="0" lang="en-AU" sz="1400" kern="1200" dirty="0" smtClean="0">
+                          <a:solidFill>
+                            <a:schemeClr val="dk1"/>
+                          </a:solidFill>
+                          <a:effectLst/>
+                          <a:latin typeface="+mn-lt"/>
+                          <a:ea typeface="+mn-ea"/>
+                          <a:cs typeface="+mn-cs"/>
+                        </a:rPr>
+                        <a:t> </a:t>
+                      </a:r>
+                      <a:r>
+                        <a:rPr kumimoji="0" lang="en-AU" sz="1400" kern="1200" dirty="0" err="1" smtClean="0">
+                          <a:solidFill>
+                            <a:schemeClr val="dk1"/>
+                          </a:solidFill>
+                          <a:effectLst/>
+                          <a:latin typeface="+mn-lt"/>
+                          <a:ea typeface="+mn-ea"/>
+                          <a:cs typeface="+mn-cs"/>
+                        </a:rPr>
+                        <a:t>Zeps</a:t>
+                      </a:r>
+                      <a:r>
+                        <a:rPr kumimoji="0" lang="en-AU" sz="1400" kern="1200" dirty="0" smtClean="0">
+                          <a:solidFill>
+                            <a:schemeClr val="dk1"/>
+                          </a:solidFill>
+                          <a:effectLst/>
+                          <a:latin typeface="+mn-lt"/>
+                          <a:ea typeface="+mn-ea"/>
+                          <a:cs typeface="+mn-cs"/>
+                        </a:rPr>
+                        <a:t> and Paul White to submit a proposal to COSA requesting Project Officer time for early 2013 to attempt to identify what systems are being used by cancer </a:t>
+                      </a:r>
+                      <a:r>
+                        <a:rPr kumimoji="0" lang="en-AU" sz="1400" kern="1200" dirty="0" err="1" smtClean="0">
+                          <a:solidFill>
+                            <a:schemeClr val="dk1"/>
+                          </a:solidFill>
+                          <a:effectLst/>
+                          <a:latin typeface="+mn-lt"/>
+                          <a:ea typeface="+mn-ea"/>
+                          <a:cs typeface="+mn-cs"/>
+                        </a:rPr>
+                        <a:t>biobanks</a:t>
+                      </a:r>
+                      <a:r>
+                        <a:rPr kumimoji="0" lang="en-AU" sz="1400" kern="1200" dirty="0" smtClean="0">
+                          <a:solidFill>
+                            <a:schemeClr val="dk1"/>
+                          </a:solidFill>
+                          <a:effectLst/>
+                          <a:latin typeface="+mn-lt"/>
+                          <a:ea typeface="+mn-ea"/>
+                          <a:cs typeface="+mn-cs"/>
+                        </a:rPr>
+                        <a:t> in Australia.</a:t>
+                      </a:r>
+                      <a:endParaRPr kumimoji="0" lang="en-US" sz="1400" kern="1200" dirty="0" smtClean="0">
+                        <a:solidFill>
+                          <a:schemeClr val="dk1"/>
+                        </a:solidFill>
+                        <a:effectLst/>
+                        <a:latin typeface="+mn-lt"/>
+                        <a:ea typeface="+mn-ea"/>
+                        <a:cs typeface="+mn-cs"/>
+                      </a:endParaRPr>
+                    </a:p>
+                  </a:txBody>
+                  <a:tcPr/>
+                </a:tc>
+                <a:tc>
+                  <a:txBody>
+                    <a:bodyPr/>
+                    <a:lstStyle/>
+                    <a:p>
+                      <a:r>
+                        <a:rPr lang="en-AU" sz="1600" dirty="0" smtClean="0"/>
+                        <a:t>?</a:t>
+                      </a:r>
+                      <a:endParaRPr lang="en-AU" sz="1600" dirty="0"/>
+                    </a:p>
+                  </a:txBody>
+                  <a:tcPr/>
+                </a:tc>
+              </a:tr>
+              <a:tr h="370840">
+                <a:tc>
+                  <a:txBody>
+                    <a:bodyPr/>
+                    <a:lstStyle/>
+                    <a:p>
+                      <a:r>
+                        <a:rPr kumimoji="0" lang="en-AU" sz="1600" kern="1200" dirty="0" smtClean="0">
+                          <a:solidFill>
+                            <a:schemeClr val="dk1"/>
+                          </a:solidFill>
+                          <a:effectLst/>
+                          <a:latin typeface="+mn-lt"/>
+                          <a:ea typeface="+mn-ea"/>
+                          <a:cs typeface="+mn-cs"/>
+                        </a:rPr>
+                        <a:t>Paul White to send targeted communications to potential candidates for the tools.</a:t>
+                      </a:r>
+                      <a:endParaRPr kumimoji="0" lang="en-US" sz="1600" kern="1200" dirty="0" smtClean="0">
+                        <a:solidFill>
+                          <a:schemeClr val="dk1"/>
+                        </a:solidFill>
+                        <a:effectLst/>
+                        <a:latin typeface="+mn-lt"/>
+                        <a:ea typeface="+mn-ea"/>
+                        <a:cs typeface="+mn-cs"/>
+                      </a:endParaRPr>
+                    </a:p>
+                  </a:txBody>
+                  <a:tcPr/>
+                </a:tc>
+                <a:tc>
+                  <a:txBody>
+                    <a:bodyPr/>
+                    <a:lstStyle/>
+                    <a:p>
+                      <a:r>
+                        <a:rPr lang="en-AU" sz="1600" dirty="0" smtClean="0"/>
+                        <a:t>It</a:t>
+                      </a:r>
+                      <a:r>
+                        <a:rPr lang="en-AU" sz="1600" baseline="0" dirty="0" smtClean="0"/>
+                        <a:t> has been agreed that there is an initial need to concentrate the limited staffing on completing the current tasks and working with current groups before taking on work we are understaffed to handle.</a:t>
+                      </a:r>
+                      <a:endParaRPr lang="en-AU" sz="1600" dirty="0"/>
+                    </a:p>
+                  </a:txBody>
+                  <a:tcPr/>
+                </a:tc>
+              </a:tr>
+              <a:tr h="370840">
+                <a:tc>
+                  <a:txBody>
+                    <a:bodyPr/>
+                    <a:lstStyle/>
+                    <a:p>
+                      <a:r>
+                        <a:rPr kumimoji="0" lang="en-AU" sz="1600" kern="1200" dirty="0" smtClean="0">
+                          <a:solidFill>
+                            <a:schemeClr val="dk1"/>
+                          </a:solidFill>
+                          <a:effectLst/>
+                          <a:latin typeface="+mn-lt"/>
+                          <a:ea typeface="+mn-ea"/>
+                          <a:cs typeface="+mn-cs"/>
+                        </a:rPr>
+                        <a:t>Paul White to develop a timeline for broader user access to the tools.</a:t>
+                      </a:r>
+                      <a:endParaRPr kumimoji="0" lang="en-US" sz="1600" kern="1200" dirty="0">
+                        <a:solidFill>
+                          <a:schemeClr val="dk1"/>
+                        </a:solidFill>
+                        <a:effectLst/>
+                        <a:latin typeface="+mn-lt"/>
+                        <a:ea typeface="+mn-ea"/>
+                        <a:cs typeface="+mn-cs"/>
+                      </a:endParaRPr>
+                    </a:p>
+                  </a:txBody>
+                  <a:tcPr/>
+                </a:tc>
+                <a:tc>
+                  <a:txBody>
+                    <a:bodyPr/>
+                    <a:lstStyle/>
+                    <a:p>
+                      <a:r>
+                        <a:rPr lang="en-AU" sz="1600" dirty="0" smtClean="0"/>
+                        <a:t>?</a:t>
+                      </a:r>
+                      <a:endParaRPr lang="en-AU" sz="1600" dirty="0"/>
+                    </a:p>
+                  </a:txBody>
+                  <a:tcPr/>
+                </a:tc>
+              </a:tr>
+              <a:tr h="295591">
                 <a:tc>
                   <a:txBody>
                     <a:bodyPr/>
@@ -4580,15 +4794,22 @@
                         <a:defRPr/>
                       </a:pPr>
                       <a:r>
-                        <a:rPr kumimoji="0" lang="en-AU" sz="1600" kern="1200" dirty="0" smtClean="0">
+                        <a:rPr kumimoji="0" lang="en-AU" sz="1800" kern="1200" dirty="0" smtClean="0">
                           <a:solidFill>
                             <a:schemeClr val="dk1"/>
                           </a:solidFill>
+                          <a:effectLst/>
                           <a:latin typeface="+mn-lt"/>
                           <a:ea typeface="+mn-ea"/>
                           <a:cs typeface="+mn-cs"/>
                         </a:rPr>
-                        <a:t>Paul White to establish quantitative measures by which the project’s success can be measured</a:t>
+                        <a:t>Paul White to scan and distribute the completed UAT documents to the Steering Committee members as they are signed off.</a:t>
+                      </a:r>
+                      <a:r>
+                        <a:rPr lang="en-US" sz="1600" dirty="0" smtClean="0">
+                          <a:effectLst/>
+                        </a:rPr>
+                        <a:t> </a:t>
                       </a:r>
                       <a:endParaRPr lang="en-AU" sz="1600" dirty="0" smtClean="0"/>
                     </a:p>
@@ -4602,279 +4823,7 @@
                     <a:p>
                       <a:r>
                         <a:rPr lang="en-AU" sz="1600" dirty="0" smtClean="0"/>
-                        <a:t>Completed</a:t>
-                      </a:r>
-                      <a:endParaRPr lang="en-AU" sz="1600" dirty="0"/>
-                    </a:p>
-                  </a:txBody>
-                  <a:tcPr/>
-                </a:tc>
-              </a:tr>
-              <a:tr h="370840">
-                <a:tc>
-                  <a:txBody>
-                    <a:bodyPr/>
-                    <a:lstStyle/>
-                    <a:p>
-                      <a:r>
-                        <a:rPr kumimoji="0" lang="en-AU" sz="1600" kern="1200" dirty="0" err="1" smtClean="0">
-                          <a:solidFill>
-                            <a:schemeClr val="dk1"/>
-                          </a:solidFill>
-                          <a:latin typeface="+mn-lt"/>
-                          <a:ea typeface="+mn-ea"/>
-                          <a:cs typeface="+mn-cs"/>
-                        </a:rPr>
-                        <a:t>Nik</a:t>
-                      </a:r>
-                      <a:r>
-                        <a:rPr kumimoji="0" lang="en-AU" sz="1600" kern="1200" dirty="0" smtClean="0">
-                          <a:solidFill>
-                            <a:schemeClr val="dk1"/>
-                          </a:solidFill>
-                          <a:latin typeface="+mn-lt"/>
-                          <a:ea typeface="+mn-ea"/>
-                          <a:cs typeface="+mn-cs"/>
-                        </a:rPr>
-                        <a:t> Zeps to discuss trial candidates with David Goldstein</a:t>
-                      </a:r>
-                    </a:p>
-                  </a:txBody>
-                  <a:tcPr/>
-                </a:tc>
-                <a:tc>
-                  <a:txBody>
-                    <a:bodyPr/>
-                    <a:lstStyle/>
-                    <a:p>
-                      <a:r>
-                        <a:rPr lang="en-AU" sz="1600" dirty="0" smtClean="0"/>
-                        <a:t>Completed</a:t>
-                      </a:r>
-                      <a:endParaRPr lang="en-AU" sz="1600" dirty="0"/>
-                    </a:p>
-                  </a:txBody>
-                  <a:tcPr/>
-                </a:tc>
-              </a:tr>
-              <a:tr h="370840">
-                <a:tc>
-                  <a:txBody>
-                    <a:bodyPr/>
-                    <a:lstStyle/>
-                    <a:p>
-                      <a:r>
-                        <a:rPr kumimoji="0" lang="en-AU" sz="1600" kern="1200" dirty="0" smtClean="0">
-                          <a:solidFill>
-                            <a:schemeClr val="dk1"/>
-                          </a:solidFill>
-                          <a:latin typeface="+mn-lt"/>
-                          <a:ea typeface="+mn-ea"/>
-                          <a:cs typeface="+mn-cs"/>
-                        </a:rPr>
-                        <a:t>Paul White and </a:t>
-                      </a:r>
-                      <a:r>
-                        <a:rPr kumimoji="0" lang="en-AU" sz="1600" kern="1200" dirty="0" err="1" smtClean="0">
-                          <a:solidFill>
-                            <a:schemeClr val="dk1"/>
-                          </a:solidFill>
-                          <a:latin typeface="+mn-lt"/>
-                          <a:ea typeface="+mn-ea"/>
-                          <a:cs typeface="+mn-cs"/>
-                        </a:rPr>
-                        <a:t>Nik</a:t>
-                      </a:r>
-                      <a:r>
-                        <a:rPr kumimoji="0" lang="en-AU" sz="1600" kern="1200" dirty="0" smtClean="0">
-                          <a:solidFill>
-                            <a:schemeClr val="dk1"/>
-                          </a:solidFill>
-                          <a:latin typeface="+mn-lt"/>
-                          <a:ea typeface="+mn-ea"/>
-                          <a:cs typeface="+mn-cs"/>
-                        </a:rPr>
-                        <a:t> Zeps to meet with chosen trial representatives in Sydney on July 4</a:t>
-                      </a:r>
-                      <a:r>
-                        <a:rPr kumimoji="0" lang="en-AU" sz="1600" kern="1200" baseline="30000" dirty="0" smtClean="0">
-                          <a:solidFill>
-                            <a:schemeClr val="dk1"/>
-                          </a:solidFill>
-                          <a:latin typeface="+mn-lt"/>
-                          <a:ea typeface="+mn-ea"/>
-                          <a:cs typeface="+mn-cs"/>
-                        </a:rPr>
-                        <a:t>th</a:t>
-                      </a:r>
-                      <a:r>
-                        <a:rPr kumimoji="0" lang="en-AU" sz="1600" kern="1200" dirty="0" smtClean="0">
-                          <a:solidFill>
-                            <a:schemeClr val="dk1"/>
-                          </a:solidFill>
-                          <a:latin typeface="+mn-lt"/>
-                          <a:ea typeface="+mn-ea"/>
-                          <a:cs typeface="+mn-cs"/>
-                        </a:rPr>
-                        <a:t> and 5</a:t>
-                      </a:r>
-                      <a:r>
-                        <a:rPr kumimoji="0" lang="en-AU" sz="1600" kern="1200" baseline="30000" dirty="0" smtClean="0">
-                          <a:solidFill>
-                            <a:schemeClr val="dk1"/>
-                          </a:solidFill>
-                          <a:latin typeface="+mn-lt"/>
-                          <a:ea typeface="+mn-ea"/>
-                          <a:cs typeface="+mn-cs"/>
-                        </a:rPr>
-                        <a:t>th</a:t>
-                      </a:r>
-                      <a:endParaRPr kumimoji="0" lang="en-AU" sz="1600" kern="1200" dirty="0" smtClean="0">
-                        <a:solidFill>
-                          <a:schemeClr val="dk1"/>
-                        </a:solidFill>
-                        <a:latin typeface="+mn-lt"/>
-                        <a:ea typeface="+mn-ea"/>
-                        <a:cs typeface="+mn-cs"/>
-                      </a:endParaRPr>
-                    </a:p>
-                  </a:txBody>
-                  <a:tcPr/>
-                </a:tc>
-                <a:tc>
-                  <a:txBody>
-                    <a:bodyPr/>
-                    <a:lstStyle/>
-                    <a:p>
-                      <a:r>
-                        <a:rPr lang="en-AU" sz="1600" dirty="0" smtClean="0"/>
-                        <a:t>Completed – verbal update</a:t>
-                      </a:r>
-                      <a:endParaRPr lang="en-AU" sz="1600" dirty="0"/>
-                    </a:p>
-                  </a:txBody>
-                  <a:tcPr/>
-                </a:tc>
-              </a:tr>
-              <a:tr h="370840">
-                <a:tc>
-                  <a:txBody>
-                    <a:bodyPr/>
-                    <a:lstStyle/>
-                    <a:p>
-                      <a:r>
-                        <a:rPr kumimoji="0" lang="en-AU" sz="1600" kern="1200" dirty="0" smtClean="0">
-                          <a:solidFill>
-                            <a:schemeClr val="dk1"/>
-                          </a:solidFill>
-                          <a:latin typeface="+mn-lt"/>
-                          <a:ea typeface="+mn-ea"/>
-                          <a:cs typeface="+mn-cs"/>
-                        </a:rPr>
-                        <a:t>Paul White to prepare a one page overview of The Ark for circulation to the projects’ collaborators.</a:t>
-                      </a:r>
-                    </a:p>
-                  </a:txBody>
-                  <a:tcPr/>
-                </a:tc>
-                <a:tc>
-                  <a:txBody>
-                    <a:bodyPr/>
-                    <a:lstStyle/>
-                    <a:p>
-                      <a:r>
-                        <a:rPr lang="en-AU" sz="1600" dirty="0" smtClean="0"/>
-                        <a:t>Completed – see attached</a:t>
-                      </a:r>
-                      <a:endParaRPr lang="en-AU" sz="1600" dirty="0"/>
-                    </a:p>
-                  </a:txBody>
-                  <a:tcPr/>
-                </a:tc>
-              </a:tr>
-              <a:tr h="370840">
-                <a:tc>
-                  <a:txBody>
-                    <a:bodyPr/>
-                    <a:lstStyle/>
-                    <a:p>
-                      <a:r>
-                        <a:rPr kumimoji="0" lang="en-AU" sz="1600" kern="1200" dirty="0" smtClean="0">
-                          <a:solidFill>
-                            <a:schemeClr val="dk1"/>
-                          </a:solidFill>
-                          <a:latin typeface="+mn-lt"/>
-                          <a:ea typeface="+mn-ea"/>
-                          <a:cs typeface="+mn-cs"/>
-                        </a:rPr>
-                        <a:t>Paul White to determine impact of AAF cost model on the project</a:t>
-                      </a:r>
-                    </a:p>
-                  </a:txBody>
-                  <a:tcPr/>
-                </a:tc>
-                <a:tc>
-                  <a:txBody>
-                    <a:bodyPr/>
-                    <a:lstStyle/>
-                    <a:p>
-                      <a:r>
-                        <a:rPr lang="en-AU" sz="1600" dirty="0" smtClean="0"/>
-                        <a:t>Completed – no cost impact</a:t>
-                      </a:r>
-                      <a:endParaRPr lang="en-AU" sz="1600" dirty="0"/>
-                    </a:p>
-                  </a:txBody>
-                  <a:tcPr/>
-                </a:tc>
-              </a:tr>
-              <a:tr h="370840">
-                <a:tc>
-                  <a:txBody>
-                    <a:bodyPr/>
-                    <a:lstStyle/>
-                    <a:p>
-                      <a:pPr marL="0" marR="0" indent="0" algn="l" defTabSz="914400" rtl="0" eaLnBrk="1" fontAlgn="auto" latinLnBrk="0" hangingPunct="1">
-                        <a:lnSpc>
-                          <a:spcPct val="100000"/>
-                        </a:lnSpc>
-                        <a:spcBef>
-                          <a:spcPts val="0"/>
-                        </a:spcBef>
-                        <a:spcAft>
-                          <a:spcPts val="0"/>
-                        </a:spcAft>
-                        <a:buClrTx/>
-                        <a:buSzTx/>
-                        <a:buFontTx/>
-                        <a:buNone/>
-                        <a:tabLst/>
-                        <a:defRPr/>
-                      </a:pPr>
-                      <a:r>
-                        <a:rPr kumimoji="0" lang="en-AU" sz="1600" kern="1200" dirty="0" smtClean="0">
-                          <a:solidFill>
-                            <a:schemeClr val="dk1"/>
-                          </a:solidFill>
-                          <a:latin typeface="+mn-lt"/>
-                          <a:ea typeface="+mn-ea"/>
-                          <a:cs typeface="+mn-cs"/>
-                        </a:rPr>
-                        <a:t>Paul White to meet with Lin Fritschi to determine if there is sufficient epidemiological study representation in the set of pilot projects</a:t>
-                      </a:r>
-                      <a:endParaRPr lang="en-AU" sz="1600" dirty="0" smtClean="0"/>
-                    </a:p>
-                  </a:txBody>
-                  <a:tcPr/>
-                </a:tc>
-                <a:tc>
-                  <a:txBody>
-                    <a:bodyPr/>
-                    <a:lstStyle/>
-                    <a:p>
-                      <a:r>
-                        <a:rPr lang="en-AU" sz="1600" dirty="0" smtClean="0"/>
-                        <a:t>TBC</a:t>
+                        <a:t> ?</a:t>
                       </a:r>
                       <a:endParaRPr lang="en-AU" sz="1600" dirty="0"/>
                     </a:p>
@@ -5095,7 +5044,7 @@
   <p:timing>
     <p:tnLst>
       <p:par>
-        <p:cTn id="1" dur="indefinite" restart="never" nodeType="tmRoot"/>
+        <p:cTn xmlns:p14="http://schemas.microsoft.com/office/powerpoint/2010/main" id="1" dur="indefinite" restart="never" nodeType="tmRoot"/>
       </p:par>
     </p:tnLst>
   </p:timing>
@@ -5189,19 +5138,7 @@
             <a:pPr lvl="3"/>
             <a:r>
               <a:rPr lang="en-AU" sz="1600" dirty="0" smtClean="0"/>
-              <a:t>75</a:t>
-            </a:r>
-            <a:r>
-              <a:rPr lang="en-AU" sz="1600" dirty="0" smtClean="0"/>
-              <a:t>% </a:t>
-            </a:r>
-            <a:r>
-              <a:rPr lang="en-AU" sz="1600" dirty="0" smtClean="0"/>
-              <a:t>Complete – expect completion of first production release by </a:t>
-            </a:r>
-            <a:r>
-              <a:rPr lang="en-AU" sz="1600" dirty="0" smtClean="0"/>
-              <a:t>30</a:t>
+              <a:t>75% Complete – expect completion of first production release by 30</a:t>
             </a:r>
             <a:r>
               <a:rPr lang="en-AU" sz="1600" baseline="30000" dirty="0" smtClean="0"/>
@@ -5211,7 +5148,6 @@
               <a:rPr lang="en-AU" sz="1600" dirty="0" smtClean="0"/>
               <a:t> April, 2013. </a:t>
             </a:r>
-            <a:endParaRPr lang="en-AU" sz="1600" dirty="0" smtClean="0"/>
           </a:p>
           <a:p>
             <a:pPr lvl="2"/>
@@ -5224,11 +5160,7 @@
             <a:pPr lvl="3"/>
             <a:r>
               <a:rPr lang="en-AU" sz="1600" dirty="0" smtClean="0"/>
-              <a:t>20% Complete – expect completion by </a:t>
-            </a:r>
-            <a:r>
-              <a:rPr lang="en-AU" sz="1600" dirty="0" smtClean="0"/>
-              <a:t>10</a:t>
+              <a:t>20% Complete – expect completion by 10</a:t>
             </a:r>
             <a:r>
               <a:rPr lang="en-AU" sz="1600" baseline="30000" dirty="0" smtClean="0"/>
@@ -5238,7 +5170,6 @@
               <a:rPr lang="en-AU" sz="1600" dirty="0" smtClean="0"/>
               <a:t> May, 2013</a:t>
             </a:r>
-            <a:endParaRPr lang="en-AU" sz="1600" dirty="0" smtClean="0"/>
           </a:p>
           <a:p>
             <a:pPr lvl="1"/>
@@ -5266,11 +5197,7 @@
             <a:pPr lvl="3"/>
             <a:r>
               <a:rPr lang="en-AU" sz="1600" dirty="0" smtClean="0"/>
-              <a:t>50</a:t>
-            </a:r>
-            <a:r>
-              <a:rPr lang="en-AU" sz="1600" dirty="0" smtClean="0"/>
-              <a:t>% Complete</a:t>
+              <a:t>50% Complete</a:t>
             </a:r>
           </a:p>
           <a:p>
@@ -5321,7 +5248,7 @@
   <p:timing>
     <p:tnLst>
       <p:par>
-        <p:cTn id="1" dur="indefinite" restart="never" nodeType="tmRoot"/>
+        <p:cTn xmlns:p14="http://schemas.microsoft.com/office/powerpoint/2010/main" id="1" dur="indefinite" restart="never" nodeType="tmRoot"/>
       </p:par>
     </p:tnLst>
   </p:timing>
@@ -5480,7 +5407,7 @@
   <p:timing>
     <p:tnLst>
       <p:par>
-        <p:cTn id="1" dur="indefinite" restart="never" nodeType="tmRoot"/>
+        <p:cTn xmlns:p14="http://schemas.microsoft.com/office/powerpoint/2010/main" id="1" dur="indefinite" restart="never" nodeType="tmRoot"/>
       </p:par>
     </p:tnLst>
   </p:timing>
@@ -5573,7 +5500,7 @@
   <p:timing>
     <p:tnLst>
       <p:par>
-        <p:cTn id="1" dur="indefinite" restart="never" nodeType="tmRoot"/>
+        <p:cTn xmlns:p14="http://schemas.microsoft.com/office/powerpoint/2010/main" id="1" dur="indefinite" restart="never" nodeType="tmRoot"/>
       </p:par>
     </p:tnLst>
   </p:timing>
@@ -5649,17 +5576,12 @@
               <a:rPr lang="en-AU" dirty="0" smtClean="0"/>
               <a:t>???????????????????????SPARL?????????????????</a:t>
             </a:r>
-            <a:endParaRPr lang="en-AU" dirty="0" smtClean="0"/>
           </a:p>
           <a:p>
             <a:pPr lvl="0"/>
             <a:r>
               <a:rPr lang="en-AU" dirty="0" smtClean="0"/>
-              <a:t>Date for next meeting – propose mid </a:t>
-            </a:r>
-            <a:r>
-              <a:rPr lang="en-AU" dirty="0" smtClean="0"/>
-              <a:t>June, 2013.</a:t>
+              <a:t>Date for next meeting – propose mid June, 2013.</a:t>
             </a:r>
             <a:endParaRPr lang="en-US" dirty="0" smtClean="0"/>
           </a:p>
@@ -5679,7 +5601,7 @@
   <p:timing>
     <p:tnLst>
       <p:par>
-        <p:cTn id="1" dur="indefinite" restart="never" nodeType="tmRoot"/>
+        <p:cTn xmlns:p14="http://schemas.microsoft.com/office/powerpoint/2010/main" id="1" dur="indefinite" restart="never" nodeType="tmRoot"/>
       </p:par>
     </p:tnLst>
   </p:timing>

--- a/usefulTools/TestFilesAndDocuments/steering committee/NeCTAR/Steering Committee Meetings/Steering Committee Meeting March_2013.pptx
+++ b/usefulTools/TestFilesAndDocuments/steering committee/NeCTAR/Steering Committee Meetings/Steering Committee Meeting March_2013.pptx
@@ -4901,14 +4901,22 @@
         </p:spPr>
         <p:txBody>
           <a:bodyPr>
-            <a:normAutofit fontScale="92500" lnSpcReduction="20000"/>
+            <a:normAutofit fontScale="92500" lnSpcReduction="10000"/>
           </a:bodyPr>
           <a:lstStyle/>
           <a:p>
             <a:pPr lvl="1"/>
             <a:r>
               <a:rPr lang="en-AU" dirty="0" smtClean="0"/>
-              <a:t>Funding Milestone 1 – Payment received</a:t>
+              <a:t>Funding Milestone 1 – </a:t>
+            </a:r>
+            <a:r>
+              <a:rPr lang="en-AU" dirty="0" smtClean="0"/>
+              <a:t>Achieved and Payment </a:t>
+            </a:r>
+            <a:r>
+              <a:rPr lang="en-AU" dirty="0" smtClean="0"/>
+              <a:t>received</a:t>
             </a:r>
           </a:p>
           <a:p>
@@ -4984,39 +4992,21 @@
             <a:pPr lvl="2"/>
             <a:r>
               <a:rPr lang="en-AU" dirty="0" smtClean="0"/>
-              <a:t>Initial Production Research Cloud Deployment (scheduled 31</a:t>
-            </a:r>
-            <a:r>
-              <a:rPr lang="en-AU" baseline="30000" dirty="0" smtClean="0"/>
-              <a:t>st</a:t>
+              <a:t>Initial Production Research Cloud </a:t>
             </a:r>
             <a:r>
               <a:rPr lang="en-AU" dirty="0" smtClean="0"/>
-              <a:t> August)</a:t>
-            </a:r>
+              <a:t>Deployment</a:t>
+            </a:r>
+            <a:endParaRPr lang="en-AU" dirty="0" smtClean="0"/>
           </a:p>
           <a:p>
             <a:pPr lvl="3"/>
             <a:r>
               <a:rPr lang="en-AU" dirty="0" smtClean="0"/>
-              <a:t>LIMS, Phenotypic and Billing modules on Production </a:t>
-            </a:r>
-            <a:r>
-              <a:rPr lang="en-AU" dirty="0" err="1" smtClean="0"/>
-              <a:t>NeCTAR</a:t>
-            </a:r>
-            <a:r>
-              <a:rPr lang="en-AU" dirty="0" smtClean="0"/>
-              <a:t> hardware currently undergoing acceptance testing by </a:t>
-            </a:r>
-            <a:r>
-              <a:rPr lang="en-AU" dirty="0" err="1" smtClean="0"/>
-              <a:t>LifePool</a:t>
-            </a:r>
-            <a:r>
-              <a:rPr lang="en-AU" dirty="0" smtClean="0"/>
-              <a:t> staff using production data</a:t>
-            </a:r>
+              <a:t>Code base has been approved in test environment</a:t>
+            </a:r>
+            <a:endParaRPr lang="en-AU" dirty="0" smtClean="0"/>
           </a:p>
           <a:p>
             <a:pPr lvl="3"/>
@@ -5469,16 +5459,21 @@
           <p:nvPr/>
         </p:nvPicPr>
         <p:blipFill>
-          <a:blip r:embed="rId2"/>
-          <a:srcRect/>
+          <a:blip r:embed="rId2">
+            <a:extLst>
+              <a:ext uri="{28A0092B-C50C-407E-A947-70E740481C1C}">
+                <a14:useLocalDpi xmlns:a14="http://schemas.microsoft.com/office/drawing/2010/main" val="0"/>
+              </a:ext>
+            </a:extLst>
+          </a:blip>
           <a:stretch>
             <a:fillRect/>
           </a:stretch>
         </p:blipFill>
         <p:spPr bwMode="auto">
           <a:xfrm>
-            <a:off x="789629" y="2198432"/>
-            <a:ext cx="7572375" cy="3562350"/>
+            <a:off x="337951" y="1572903"/>
+            <a:ext cx="8468098" cy="4177925"/>
           </a:xfrm>
           <a:prstGeom prst="rect">
             <a:avLst/>
@@ -5573,9 +5568,22 @@
           <a:p>
             <a:pPr lvl="0"/>
             <a:r>
+              <a:rPr lang="en-AU" dirty="0" err="1" smtClean="0"/>
+              <a:t>SPArk</a:t>
+            </a:r>
+            <a:r>
               <a:rPr lang="en-AU" dirty="0" smtClean="0"/>
-              <a:t>???????????????????????SPARL?????????????????</a:t>
-            </a:r>
+              <a:t> Grant under way to facilitate super </a:t>
+            </a:r>
+            <a:r>
+              <a:rPr lang="en-AU" smtClean="0"/>
+              <a:t>computer analysis </a:t>
+            </a:r>
+            <a:r>
+              <a:rPr lang="en-AU" dirty="0" smtClean="0"/>
+              <a:t>routines from within the ARK.</a:t>
+            </a:r>
+            <a:endParaRPr lang="en-AU" dirty="0" smtClean="0"/>
           </a:p>
           <a:p>
             <a:pPr lvl="0"/>

--- a/usefulTools/TestFilesAndDocuments/steering committee/NeCTAR/Steering Committee Meetings/Steering Committee Meeting March_2013.pptx
+++ b/usefulTools/TestFilesAndDocuments/steering committee/NeCTAR/Steering Committee Meetings/Steering Committee Meeting March_2013.pptx
@@ -5,7 +5,7 @@
     <p:sldMasterId id="2147484015" r:id="rId1"/>
   </p:sldMasterIdLst>
   <p:notesMasterIdLst>
-    <p:notesMasterId r:id="rId12"/>
+    <p:notesMasterId r:id="rId14"/>
   </p:notesMasterIdLst>
   <p:sldIdLst>
     <p:sldId id="256" r:id="rId2"/>
@@ -14,10 +14,12 @@
     <p:sldId id="307" r:id="rId5"/>
     <p:sldId id="318" r:id="rId6"/>
     <p:sldId id="310" r:id="rId7"/>
-    <p:sldId id="311" r:id="rId8"/>
-    <p:sldId id="313" r:id="rId9"/>
-    <p:sldId id="320" r:id="rId10"/>
-    <p:sldId id="321" r:id="rId11"/>
+    <p:sldId id="322" r:id="rId8"/>
+    <p:sldId id="311" r:id="rId9"/>
+    <p:sldId id="313" r:id="rId10"/>
+    <p:sldId id="320" r:id="rId11"/>
+    <p:sldId id="321" r:id="rId12"/>
+    <p:sldId id="323" r:id="rId13"/>
   </p:sldIdLst>
   <p:sldSz cx="9144000" cy="6858000" type="screen4x3"/>
   <p:notesSz cx="6797675" cy="9926638"/>
@@ -4247,6 +4249,108 @@
         </p:nvSpPr>
         <p:spPr/>
         <p:txBody>
+          <a:bodyPr/>
+          <a:lstStyle/>
+          <a:p>
+            <a:r>
+              <a:rPr lang="en-AU" dirty="0" smtClean="0"/>
+              <a:t>Transparency – all projects and subcomponents will be estimated and tracked on </a:t>
+            </a:r>
+            <a:r>
+              <a:rPr lang="en-AU" dirty="0" err="1" smtClean="0"/>
+              <a:t>Atlassian</a:t>
+            </a:r>
+            <a:r>
+              <a:rPr lang="en-AU" dirty="0" smtClean="0"/>
+              <a:t>/JIRA.</a:t>
+            </a:r>
+          </a:p>
+          <a:p>
+            <a:pPr lvl="1"/>
+            <a:r>
+              <a:rPr lang="en-AU" dirty="0" smtClean="0"/>
+              <a:t>All participants and committee members are welcome to view progress and make feature requests</a:t>
+            </a:r>
+          </a:p>
+          <a:p>
+            <a:pPr lvl="1"/>
+            <a:r>
+              <a:rPr lang="en-AU" dirty="0" smtClean="0"/>
+              <a:t>All coders will be required to update these estimates each time they advance (or regress) in their goals/tasks</a:t>
+            </a:r>
+          </a:p>
+          <a:p>
+            <a:pPr lvl="1"/>
+            <a:r>
+              <a:rPr lang="en-AU" dirty="0" smtClean="0"/>
+              <a:t>For those seeking a less proactive view, a manually produced summary email could be sent on some regular interval (monthly or fortnightly) if required.</a:t>
+            </a:r>
+          </a:p>
+          <a:p>
+            <a:endParaRPr lang="en-AU" dirty="0"/>
+          </a:p>
+        </p:txBody>
+      </p:sp>
+    </p:spTree>
+  </p:cSld>
+  <p:clrMapOvr>
+    <a:masterClrMapping/>
+  </p:clrMapOvr>
+</p:sld>
+</file>
+
+<file path=ppt/slides/slide11.xml><?xml version="1.0" encoding="utf-8"?>
+<p:sld xmlns:a="http://schemas.openxmlformats.org/drawingml/2006/main" xmlns:r="http://schemas.openxmlformats.org/officeDocument/2006/relationships" xmlns:p="http://schemas.openxmlformats.org/presentationml/2006/main">
+  <p:cSld>
+    <p:spTree>
+      <p:nvGrpSpPr>
+        <p:cNvPr id="1" name=""/>
+        <p:cNvGrpSpPr/>
+        <p:nvPr/>
+      </p:nvGrpSpPr>
+      <p:grpSpPr>
+        <a:xfrm>
+          <a:off x="0" y="0"/>
+          <a:ext cx="0" cy="0"/>
+          <a:chOff x="0" y="0"/>
+          <a:chExt cx="0" cy="0"/>
+        </a:xfrm>
+      </p:grpSpPr>
+      <p:sp>
+        <p:nvSpPr>
+          <p:cNvPr id="2" name="Title 1"/>
+          <p:cNvSpPr>
+            <a:spLocks noGrp="1"/>
+          </p:cNvSpPr>
+          <p:nvPr>
+            <p:ph type="title"/>
+          </p:nvPr>
+        </p:nvSpPr>
+        <p:spPr/>
+        <p:txBody>
+          <a:bodyPr/>
+          <a:lstStyle/>
+          <a:p>
+            <a:r>
+              <a:rPr lang="en-AU" dirty="0" smtClean="0"/>
+              <a:t>Approach Going Forward</a:t>
+            </a:r>
+            <a:endParaRPr lang="en-AU" dirty="0"/>
+          </a:p>
+        </p:txBody>
+      </p:sp>
+      <p:sp>
+        <p:nvSpPr>
+          <p:cNvPr id="3" name="Content Placeholder 2"/>
+          <p:cNvSpPr>
+            <a:spLocks noGrp="1"/>
+          </p:cNvSpPr>
+          <p:nvPr>
+            <p:ph sz="quarter" idx="1"/>
+          </p:nvPr>
+        </p:nvSpPr>
+        <p:spPr/>
+        <p:txBody>
           <a:bodyPr>
             <a:normAutofit/>
           </a:bodyPr>
@@ -4254,7 +4358,11 @@
           <a:p>
             <a:r>
               <a:rPr lang="en-AU" dirty="0" smtClean="0"/>
-              <a:t>Prioritization – this project is already at or beyond full capacity.  Feature requests are welcomed via the JIRA system.  However </a:t>
+              <a:t>Prioritization – this project is already at or beyond full capacity.  Feature requests are welcomed via the JIRA system.  </a:t>
+            </a:r>
+            <a:r>
+              <a:rPr lang="en-AU" dirty="0" smtClean="0"/>
+              <a:t>However, </a:t>
             </a:r>
             <a:r>
               <a:rPr lang="en-AU" b="1" dirty="0" smtClean="0"/>
@@ -4283,6 +4391,106 @@
         </p:txBody>
       </p:sp>
     </p:spTree>
+  </p:cSld>
+  <p:clrMapOvr>
+    <a:masterClrMapping/>
+  </p:clrMapOvr>
+</p:sld>
+</file>
+
+<file path=ppt/slides/slide12.xml><?xml version="1.0" encoding="utf-8"?>
+<p:sld xmlns:a="http://schemas.openxmlformats.org/drawingml/2006/main" xmlns:r="http://schemas.openxmlformats.org/officeDocument/2006/relationships" xmlns:p="http://schemas.openxmlformats.org/presentationml/2006/main">
+  <p:cSld>
+    <p:spTree>
+      <p:nvGrpSpPr>
+        <p:cNvPr id="1" name=""/>
+        <p:cNvGrpSpPr/>
+        <p:nvPr/>
+      </p:nvGrpSpPr>
+      <p:grpSpPr>
+        <a:xfrm>
+          <a:off x="0" y="0"/>
+          <a:ext cx="0" cy="0"/>
+          <a:chOff x="0" y="0"/>
+          <a:chExt cx="0" cy="0"/>
+        </a:xfrm>
+      </p:grpSpPr>
+      <p:sp>
+        <p:nvSpPr>
+          <p:cNvPr id="2" name="Title 1"/>
+          <p:cNvSpPr>
+            <a:spLocks noGrp="1"/>
+          </p:cNvSpPr>
+          <p:nvPr>
+            <p:ph type="title"/>
+          </p:nvPr>
+        </p:nvSpPr>
+        <p:spPr/>
+        <p:txBody>
+          <a:bodyPr/>
+          <a:lstStyle/>
+          <a:p>
+            <a:r>
+              <a:rPr lang="en-AU" dirty="0" smtClean="0"/>
+              <a:t>Approach Going Forward</a:t>
+            </a:r>
+            <a:endParaRPr lang="en-AU" dirty="0"/>
+          </a:p>
+        </p:txBody>
+      </p:sp>
+      <p:sp>
+        <p:nvSpPr>
+          <p:cNvPr id="3" name="Content Placeholder 2"/>
+          <p:cNvSpPr>
+            <a:spLocks noGrp="1"/>
+          </p:cNvSpPr>
+          <p:nvPr>
+            <p:ph sz="quarter" idx="1"/>
+          </p:nvPr>
+        </p:nvSpPr>
+        <p:spPr/>
+        <p:txBody>
+          <a:bodyPr>
+            <a:normAutofit/>
+          </a:bodyPr>
+          <a:lstStyle/>
+          <a:p>
+            <a:r>
+              <a:rPr lang="en-AU" dirty="0" smtClean="0"/>
+              <a:t>Knowledge Sharing and Documentation</a:t>
+            </a:r>
+          </a:p>
+          <a:p>
+            <a:pPr lvl="1"/>
+            <a:r>
+              <a:rPr lang="en-AU" dirty="0" smtClean="0"/>
+              <a:t>We will try to ensure there is not one human point of failure for the system.</a:t>
+            </a:r>
+            <a:endParaRPr lang="en-AU" dirty="0" smtClean="0"/>
+          </a:p>
+          <a:p>
+            <a:pPr lvl="1"/>
+            <a:r>
+              <a:rPr lang="en-AU" dirty="0" smtClean="0"/>
+              <a:t>The system should be able to be managed by anyone with access to the documentation.</a:t>
+            </a:r>
+          </a:p>
+          <a:p>
+            <a:pPr lvl="1"/>
+            <a:r>
+              <a:rPr lang="en-AU" dirty="0" smtClean="0"/>
+              <a:t>We are not there yet, but are putting these processes in place.</a:t>
+            </a:r>
+            <a:endParaRPr lang="en-AU" dirty="0"/>
+          </a:p>
+        </p:txBody>
+      </p:sp>
+    </p:spTree>
+    <p:extLst>
+      <p:ext uri="{BB962C8B-B14F-4D97-AF65-F5344CB8AC3E}">
+        <p14:creationId xmlns:p14="http://schemas.microsoft.com/office/powerpoint/2010/main" val="1652202743"/>
+      </p:ext>
+    </p:extLst>
   </p:cSld>
   <p:clrMapOvr>
     <a:masterClrMapping/>
@@ -5201,8 +5409,25 @@
             <a:pPr lvl="3"/>
             <a:r>
               <a:rPr lang="en-AU" sz="1600" dirty="0" smtClean="0"/>
-              <a:t>80% Complete – was required to support SJOG data migration</a:t>
-            </a:r>
+              <a:t>100</a:t>
+            </a:r>
+            <a:r>
+              <a:rPr lang="en-AU" sz="1600" dirty="0" smtClean="0"/>
+              <a:t>% Complete </a:t>
+            </a:r>
+            <a:r>
+              <a:rPr lang="en-AU" sz="1600" dirty="0" smtClean="0"/>
+              <a:t>(subject to user acceptance) – </a:t>
+            </a:r>
+            <a:r>
+              <a:rPr lang="en-AU" sz="1600" dirty="0" smtClean="0"/>
+              <a:t>was required to support SJOG data </a:t>
+            </a:r>
+            <a:r>
+              <a:rPr lang="en-AU" sz="1600" dirty="0" smtClean="0"/>
+              <a:t>migration.    </a:t>
+            </a:r>
+            <a:endParaRPr lang="en-AU" sz="1600" dirty="0" smtClean="0"/>
           </a:p>
           <a:p>
             <a:pPr lvl="2"/>
@@ -5331,15 +5556,25 @@
             </a:r>
             <a:r>
               <a:rPr lang="en-AU" sz="2800" dirty="0" smtClean="0"/>
-              <a:t> contribution: $290,598</a:t>
-            </a:r>
+              <a:t> contribution: </a:t>
+            </a:r>
+            <a:r>
+              <a:rPr lang="en-AU" sz="2800" dirty="0" smtClean="0"/>
+              <a:t>$289,00 (note revised down from initial request)</a:t>
+            </a:r>
+            <a:endParaRPr lang="en-AU" sz="2800" dirty="0" smtClean="0"/>
           </a:p>
           <a:p>
             <a:pPr lvl="0"/>
             <a:r>
               <a:rPr lang="en-AU" sz="2800" dirty="0" smtClean="0"/>
-              <a:t>Total co-investment: $323,892</a:t>
-            </a:r>
+              <a:t>Total co-investment: </a:t>
+            </a:r>
+            <a:r>
+              <a:rPr lang="en-AU" sz="2800" dirty="0" smtClean="0"/>
+              <a:t>$324,965</a:t>
+            </a:r>
+            <a:endParaRPr lang="en-AU" sz="2800" dirty="0" smtClean="0"/>
           </a:p>
           <a:p>
             <a:pPr lvl="0"/>
@@ -5352,28 +5587,41 @@
             <a:pPr lvl="0"/>
             <a:r>
               <a:rPr lang="en-AU" sz="2800" dirty="0" smtClean="0"/>
-              <a:t>Planned EIF expenditure to 30 November $208,000</a:t>
-            </a:r>
+              <a:t>See </a:t>
+            </a:r>
+            <a:r>
+              <a:rPr lang="en-AU" sz="2800" dirty="0" err="1" smtClean="0"/>
+              <a:t>attched</a:t>
+            </a:r>
+            <a:r>
+              <a:rPr lang="en-AU" sz="2800" dirty="0" smtClean="0"/>
+              <a:t> </a:t>
+            </a:r>
+            <a:r>
+              <a:rPr lang="en-AU" sz="2800" dirty="0" err="1" smtClean="0"/>
+              <a:t>NeCTAR</a:t>
+            </a:r>
+            <a:r>
+              <a:rPr lang="en-AU" sz="2800" dirty="0" smtClean="0"/>
+              <a:t> financial report </a:t>
+            </a:r>
+            <a:endParaRPr lang="en-AU" sz="2800" dirty="0"/>
           </a:p>
           <a:p>
             <a:pPr lvl="0"/>
             <a:r>
-              <a:rPr lang="en-AU" sz="2800" dirty="0" smtClean="0"/>
-              <a:t>Actual EIF expenditure to-date $169,000</a:t>
-            </a:r>
-          </a:p>
-          <a:p>
-            <a:r>
-              <a:rPr lang="en-AU" sz="2800" dirty="0" smtClean="0"/>
-              <a:t>Planned Co-investment to 30 November $135,000</a:t>
-            </a:r>
-          </a:p>
-          <a:p>
-            <a:pPr lvl="0"/>
-            <a:r>
-              <a:rPr lang="en-AU" sz="2800" dirty="0" smtClean="0"/>
-              <a:t>Actual Co-investment to-date $114,000</a:t>
-            </a:r>
+              <a:rPr lang="en-AU" dirty="0" smtClean="0"/>
+              <a:t>A </a:t>
+            </a:r>
+            <a:r>
+              <a:rPr lang="en-AU" dirty="0"/>
+              <a:t>restructuring of funding milestones was made due to staffing and dependencies, we are awaiting the response, but all seems to be in order</a:t>
+            </a:r>
+            <a:r>
+              <a:rPr lang="en-AU" dirty="0" smtClean="0"/>
+              <a:t>.  For now we are reporting against existing milestones.</a:t>
+            </a:r>
+            <a:endParaRPr lang="en-US" dirty="0"/>
           </a:p>
           <a:p>
             <a:pPr>
@@ -5423,6 +5671,91 @@
       </p:grpSpPr>
       <p:sp>
         <p:nvSpPr>
+          <p:cNvPr id="2" name="Title 1"/>
+          <p:cNvSpPr>
+            <a:spLocks noGrp="1"/>
+          </p:cNvSpPr>
+          <p:nvPr>
+            <p:ph type="title"/>
+          </p:nvPr>
+        </p:nvSpPr>
+        <p:spPr/>
+        <p:txBody>
+          <a:bodyPr/>
+          <a:lstStyle/>
+          <a:p>
+            <a:r>
+              <a:rPr lang="en-US" dirty="0" err="1" smtClean="0"/>
+              <a:t>NeCTAR</a:t>
+            </a:r>
+            <a:r>
+              <a:rPr lang="en-US" dirty="0" smtClean="0"/>
+              <a:t> Financial Reporting</a:t>
+            </a:r>
+            <a:endParaRPr lang="en-US" dirty="0"/>
+          </a:p>
+        </p:txBody>
+      </p:sp>
+      <p:pic>
+        <p:nvPicPr>
+          <p:cNvPr id="4" name="Content Placeholder 3" descr="Screen shot 2013-03-26 at 4.16.22 AM.png"/>
+          <p:cNvPicPr>
+            <a:picLocks noGrp="1" noChangeAspect="1"/>
+          </p:cNvPicPr>
+          <p:nvPr>
+            <p:ph sz="quarter" idx="1"/>
+          </p:nvPr>
+        </p:nvPicPr>
+        <p:blipFill rotWithShape="1">
+          <a:blip r:embed="rId2">
+            <a:extLst>
+              <a:ext uri="{28A0092B-C50C-407E-A947-70E740481C1C}">
+                <a14:useLocalDpi xmlns:a14="http://schemas.microsoft.com/office/drawing/2010/main" val="0"/>
+              </a:ext>
+            </a:extLst>
+          </a:blip>
+          <a:srcRect l="1104" t="-4583"/>
+          <a:stretch/>
+        </p:blipFill>
+        <p:spPr>
+          <a:xfrm>
+            <a:off x="101019" y="1219200"/>
+            <a:ext cx="9042981" cy="5100309"/>
+          </a:xfrm>
+        </p:spPr>
+      </p:pic>
+    </p:spTree>
+    <p:extLst>
+      <p:ext uri="{BB962C8B-B14F-4D97-AF65-F5344CB8AC3E}">
+        <p14:creationId xmlns:p14="http://schemas.microsoft.com/office/powerpoint/2010/main" val="484579873"/>
+      </p:ext>
+    </p:extLst>
+  </p:cSld>
+  <p:clrMapOvr>
+    <a:masterClrMapping/>
+  </p:clrMapOvr>
+</p:sld>
+</file>
+
+<file path=ppt/slides/slide8.xml><?xml version="1.0" encoding="utf-8"?>
+<p:sld xmlns:a="http://schemas.openxmlformats.org/drawingml/2006/main" xmlns:r="http://schemas.openxmlformats.org/officeDocument/2006/relationships" xmlns:p="http://schemas.openxmlformats.org/presentationml/2006/main">
+  <p:cSld>
+    <p:spTree>
+      <p:nvGrpSpPr>
+        <p:cNvPr id="1" name=""/>
+        <p:cNvGrpSpPr/>
+        <p:nvPr/>
+      </p:nvGrpSpPr>
+      <p:grpSpPr>
+        <a:xfrm>
+          <a:off x="0" y="0"/>
+          <a:ext cx="0" cy="0"/>
+          <a:chOff x="0" y="0"/>
+          <a:chExt cx="0" cy="0"/>
+        </a:xfrm>
+      </p:grpSpPr>
+      <p:sp>
+        <p:nvSpPr>
           <p:cNvPr id="87" name="Title 86"/>
           <p:cNvSpPr>
             <a:spLocks noGrp="1"/>
@@ -5487,120 +5820,6 @@
           </a:ln>
         </p:spPr>
       </p:pic>
-    </p:spTree>
-  </p:cSld>
-  <p:clrMapOvr>
-    <a:masterClrMapping/>
-  </p:clrMapOvr>
-  <p:timing>
-    <p:tnLst>
-      <p:par>
-        <p:cTn xmlns:p14="http://schemas.microsoft.com/office/powerpoint/2010/main" id="1" dur="indefinite" restart="never" nodeType="tmRoot"/>
-      </p:par>
-    </p:tnLst>
-  </p:timing>
-</p:sld>
-</file>
-
-<file path=ppt/slides/slide8.xml><?xml version="1.0" encoding="utf-8"?>
-<p:sld xmlns:a="http://schemas.openxmlformats.org/drawingml/2006/main" xmlns:r="http://schemas.openxmlformats.org/officeDocument/2006/relationships" xmlns:p="http://schemas.openxmlformats.org/presentationml/2006/main">
-  <p:cSld>
-    <p:spTree>
-      <p:nvGrpSpPr>
-        <p:cNvPr id="1" name=""/>
-        <p:cNvGrpSpPr/>
-        <p:nvPr/>
-      </p:nvGrpSpPr>
-      <p:grpSpPr>
-        <a:xfrm>
-          <a:off x="0" y="0"/>
-          <a:ext cx="0" cy="0"/>
-          <a:chOff x="0" y="0"/>
-          <a:chExt cx="0" cy="0"/>
-        </a:xfrm>
-      </p:grpSpPr>
-      <p:sp>
-        <p:nvSpPr>
-          <p:cNvPr id="87" name="Title 86"/>
-          <p:cNvSpPr>
-            <a:spLocks noGrp="1"/>
-          </p:cNvSpPr>
-          <p:nvPr>
-            <p:ph type="title"/>
-          </p:nvPr>
-        </p:nvSpPr>
-        <p:spPr/>
-        <p:txBody>
-          <a:bodyPr>
-            <a:normAutofit/>
-          </a:bodyPr>
-          <a:lstStyle/>
-          <a:p>
-            <a:r>
-              <a:rPr lang="en-US" dirty="0" smtClean="0"/>
-              <a:t>Other Business</a:t>
-            </a:r>
-            <a:endParaRPr lang="en-US" dirty="0"/>
-          </a:p>
-        </p:txBody>
-      </p:sp>
-      <p:sp>
-        <p:nvSpPr>
-          <p:cNvPr id="4" name="Content Placeholder 2"/>
-          <p:cNvSpPr>
-            <a:spLocks noGrp="1"/>
-          </p:cNvSpPr>
-          <p:nvPr>
-            <p:ph sz="quarter" idx="1"/>
-          </p:nvPr>
-        </p:nvSpPr>
-        <p:spPr>
-          <a:xfrm>
-            <a:off x="612648" y="1600200"/>
-            <a:ext cx="8153400" cy="5078498"/>
-          </a:xfrm>
-        </p:spPr>
-        <p:txBody>
-          <a:bodyPr>
-            <a:normAutofit/>
-          </a:bodyPr>
-          <a:lstStyle/>
-          <a:p>
-            <a:pPr lvl="0"/>
-            <a:r>
-              <a:rPr lang="en-AU" dirty="0" err="1" smtClean="0"/>
-              <a:t>SPArk</a:t>
-            </a:r>
-            <a:r>
-              <a:rPr lang="en-AU" dirty="0" smtClean="0"/>
-              <a:t> Grant under way to facilitate super </a:t>
-            </a:r>
-            <a:r>
-              <a:rPr lang="en-AU" smtClean="0"/>
-              <a:t>computer analysis </a:t>
-            </a:r>
-            <a:r>
-              <a:rPr lang="en-AU" dirty="0" smtClean="0"/>
-              <a:t>routines from within the ARK.</a:t>
-            </a:r>
-            <a:endParaRPr lang="en-AU" dirty="0" smtClean="0"/>
-          </a:p>
-          <a:p>
-            <a:pPr lvl="0"/>
-            <a:r>
-              <a:rPr lang="en-AU" dirty="0" smtClean="0"/>
-              <a:t>Date for next meeting – propose mid June, 2013.</a:t>
-            </a:r>
-            <a:endParaRPr lang="en-US" dirty="0" smtClean="0"/>
-          </a:p>
-          <a:p>
-            <a:endParaRPr lang="en-US" dirty="0" smtClean="0"/>
-          </a:p>
-          <a:p>
-            <a:endParaRPr lang="en-US" dirty="0" smtClean="0"/>
-          </a:p>
-        </p:txBody>
-      </p:sp>
     </p:spTree>
   </p:cSld>
   <p:clrMapOvr>
@@ -5635,7 +5854,7 @@
       </p:grpSpPr>
       <p:sp>
         <p:nvSpPr>
-          <p:cNvPr id="2" name="Title 1"/>
+          <p:cNvPr id="87" name="Title 86"/>
           <p:cNvSpPr>
             <a:spLocks noGrp="1"/>
           </p:cNvSpPr>
@@ -5645,68 +5864,68 @@
         </p:nvSpPr>
         <p:spPr/>
         <p:txBody>
-          <a:bodyPr/>
-          <a:lstStyle/>
-          <a:p>
+          <a:bodyPr>
+            <a:normAutofit/>
+          </a:bodyPr>
+          <a:lstStyle/>
+          <a:p>
+            <a:r>
+              <a:rPr lang="en-US" dirty="0" smtClean="0"/>
+              <a:t>Other Business</a:t>
+            </a:r>
+            <a:endParaRPr lang="en-US" dirty="0"/>
+          </a:p>
+        </p:txBody>
+      </p:sp>
+      <p:sp>
+        <p:nvSpPr>
+          <p:cNvPr id="4" name="Content Placeholder 2"/>
+          <p:cNvSpPr>
+            <a:spLocks noGrp="1"/>
+          </p:cNvSpPr>
+          <p:nvPr>
+            <p:ph sz="quarter" idx="1"/>
+          </p:nvPr>
+        </p:nvSpPr>
+        <p:spPr>
+          <a:xfrm>
+            <a:off x="612648" y="1600200"/>
+            <a:ext cx="8153400" cy="5078498"/>
+          </a:xfrm>
+        </p:spPr>
+        <p:txBody>
+          <a:bodyPr>
+            <a:normAutofit/>
+          </a:bodyPr>
+          <a:lstStyle/>
+          <a:p>
+            <a:pPr lvl="0"/>
+            <a:r>
+              <a:rPr lang="en-AU" dirty="0" err="1" smtClean="0"/>
+              <a:t>SPArk</a:t>
+            </a:r>
             <a:r>
               <a:rPr lang="en-AU" dirty="0" smtClean="0"/>
-              <a:t>Approach Going Forward</a:t>
-            </a:r>
-            <a:endParaRPr lang="en-AU" dirty="0"/>
-          </a:p>
-        </p:txBody>
-      </p:sp>
-      <p:sp>
-        <p:nvSpPr>
-          <p:cNvPr id="3" name="Content Placeholder 2"/>
-          <p:cNvSpPr>
-            <a:spLocks noGrp="1"/>
-          </p:cNvSpPr>
-          <p:nvPr>
-            <p:ph sz="quarter" idx="1"/>
-          </p:nvPr>
-        </p:nvSpPr>
-        <p:spPr/>
-        <p:txBody>
-          <a:bodyPr/>
-          <a:lstStyle/>
-          <a:p>
+              <a:t> Grant under way to facilitate super computer analysis routines from within the ARK.</a:t>
+            </a:r>
+            <a:endParaRPr lang="en-AU" dirty="0" smtClean="0"/>
+          </a:p>
+          <a:p>
+            <a:pPr lvl="0"/>
             <a:r>
               <a:rPr lang="en-AU" dirty="0" smtClean="0"/>
-              <a:t>Transparency – all projects and subcomponents will be estimated and tracked on </a:t>
-            </a:r>
-            <a:r>
-              <a:rPr lang="en-AU" dirty="0" err="1" smtClean="0"/>
-              <a:t>Atlassian</a:t>
+              <a:t>Date for next meeting – propose mid June, 2013</a:t>
             </a:r>
             <a:r>
               <a:rPr lang="en-AU" dirty="0" smtClean="0"/>
-              <a:t>/JIRA.</a:t>
-            </a:r>
-          </a:p>
-          <a:p>
-            <a:pPr lvl="1"/>
-            <a:r>
-              <a:rPr lang="en-AU" dirty="0" smtClean="0"/>
-              <a:t>All participants and committee members are welcome to view progress and make feature requests</a:t>
-            </a:r>
-          </a:p>
-          <a:p>
-            <a:pPr lvl="1"/>
-            <a:r>
-              <a:rPr lang="en-AU" dirty="0" smtClean="0"/>
-              <a:t>All coders will be required to update these estimates each time they advance (or regress) in their goals/tasks</a:t>
-            </a:r>
-          </a:p>
-          <a:p>
-            <a:pPr lvl="1"/>
-            <a:r>
-              <a:rPr lang="en-AU" dirty="0" smtClean="0"/>
-              <a:t>For those seeking a less proactive view, a manually produced summary email could be sent on some regular interval (monthly or fortnightly) if required.</a:t>
-            </a:r>
-          </a:p>
-          <a:p>
-            <a:endParaRPr lang="en-AU" dirty="0"/>
+              <a:t>.</a:t>
+            </a:r>
+          </a:p>
+          <a:p>
+            <a:endParaRPr lang="en-US" dirty="0" smtClean="0"/>
+          </a:p>
+          <a:p>
+            <a:endParaRPr lang="en-US" dirty="0" smtClean="0"/>
           </a:p>
         </p:txBody>
       </p:sp>
@@ -5715,6 +5934,13 @@
   <p:clrMapOvr>
     <a:masterClrMapping/>
   </p:clrMapOvr>
+  <p:timing>
+    <p:tnLst>
+      <p:par>
+        <p:cTn xmlns:p14="http://schemas.microsoft.com/office/powerpoint/2010/main" id="1" dur="indefinite" restart="never" nodeType="tmRoot"/>
+      </p:par>
+    </p:tnLst>
+  </p:timing>
 </p:sld>
 </file>
 

--- a/usefulTools/TestFilesAndDocuments/steering committee/NeCTAR/Steering Committee Meetings/Steering Committee Meeting March_2013.pptx
+++ b/usefulTools/TestFilesAndDocuments/steering committee/NeCTAR/Steering Committee Meetings/Steering Committee Meeting March_2013.pptx
@@ -4451,7 +4451,7 @@
         <p:spPr/>
         <p:txBody>
           <a:bodyPr>
-            <a:normAutofit/>
+            <a:normAutofit lnSpcReduction="10000"/>
           </a:bodyPr>
           <a:lstStyle/>
           <a:p>
@@ -4480,6 +4480,17 @@
             <a:r>
               <a:rPr lang="en-AU" dirty="0" smtClean="0"/>
               <a:t>We are not there yet, but are putting these processes in place.</a:t>
+            </a:r>
+          </a:p>
+          <a:p>
+            <a:pPr lvl="1"/>
+            <a:r>
+              <a:rPr lang="en-AU" dirty="0" smtClean="0"/>
+              <a:t>I also see a clear need to establish adequate User Documentation and training.  Ideally we would like to try to establish a community of users also to </a:t>
+            </a:r>
+            <a:r>
+              <a:rPr lang="en-AU" smtClean="0"/>
+              <a:t>share knowledge.</a:t>
             </a:r>
             <a:endParaRPr lang="en-AU" dirty="0"/>
           </a:p>

--- a/usefulTools/TestFilesAndDocuments/steering committee/NeCTAR/Steering Committee Meetings/Steering Committee Meeting March_2013.pptx
+++ b/usefulTools/TestFilesAndDocuments/steering committee/NeCTAR/Steering Committee Meetings/Steering Committee Meeting March_2013.pptx
@@ -4249,7 +4249,9 @@
         </p:nvSpPr>
         <p:spPr/>
         <p:txBody>
-          <a:bodyPr/>
+          <a:bodyPr>
+            <a:normAutofit fontScale="92500"/>
+          </a:bodyPr>
           <a:lstStyle/>
           <a:p>
             <a:r>
@@ -4269,7 +4271,11 @@
             <a:pPr lvl="1"/>
             <a:r>
               <a:rPr lang="en-AU" dirty="0" smtClean="0"/>
-              <a:t>All participants and committee members are welcome to view progress and make feature requests</a:t>
+              <a:t>All </a:t>
+            </a:r>
+            <a:r>
+              <a:rPr lang="en-AU" dirty="0" smtClean="0"/>
+              <a:t>participants and committee members are welcome to view progress and make feature requests</a:t>
             </a:r>
           </a:p>
           <a:p>
@@ -4283,8 +4289,20 @@
             <a:pPr lvl="1"/>
             <a:r>
               <a:rPr lang="en-AU" dirty="0" smtClean="0"/>
-              <a:t>For those seeking a less proactive view, a manually produced summary email could be sent on some regular interval (monthly or fortnightly) if required.</a:t>
-            </a:r>
+              <a:t>For those seeking a less proactive view, a manually produced summary email could be sent on some regular interval (monthly or fortnightly) if required</a:t>
+            </a:r>
+            <a:r>
+              <a:rPr lang="en-AU" dirty="0" smtClean="0"/>
+              <a:t>.</a:t>
+            </a:r>
+          </a:p>
+          <a:p>
+            <a:pPr lvl="1"/>
+            <a:r>
+              <a:rPr lang="en-AU" dirty="0" smtClean="0"/>
+              <a:t>Hopefully part of a fundamental philosophy/ethos: dealing with issues upfront and openly to get the best outcome</a:t>
+            </a:r>
+            <a:endParaRPr lang="en-AU" dirty="0" smtClean="0"/>
           </a:p>
           <a:p>
             <a:endParaRPr lang="en-AU" dirty="0"/>
@@ -4296,6 +4314,13 @@
   <p:clrMapOvr>
     <a:masterClrMapping/>
   </p:clrMapOvr>
+  <p:timing>
+    <p:tnLst>
+      <p:par>
+        <p:cTn xmlns:p14="http://schemas.microsoft.com/office/powerpoint/2010/main" id="1" dur="indefinite" restart="never" nodeType="tmRoot"/>
+      </p:par>
+    </p:tnLst>
+  </p:timing>
 </p:sld>
 </file>
 
@@ -4395,6 +4420,13 @@
   <p:clrMapOvr>
     <a:masterClrMapping/>
   </p:clrMapOvr>
+  <p:timing>
+    <p:tnLst>
+      <p:par>
+        <p:cTn xmlns:p14="http://schemas.microsoft.com/office/powerpoint/2010/main" id="1" dur="indefinite" restart="never" nodeType="tmRoot"/>
+      </p:par>
+    </p:tnLst>
+  </p:timing>
 </p:sld>
 </file>
 
@@ -4486,11 +4518,7 @@
             <a:pPr lvl="1"/>
             <a:r>
               <a:rPr lang="en-AU" dirty="0" smtClean="0"/>
-              <a:t>I also see a clear need to establish adequate User Documentation and training.  Ideally we would like to try to establish a community of users also to </a:t>
-            </a:r>
-            <a:r>
-              <a:rPr lang="en-AU" smtClean="0"/>
-              <a:t>share knowledge.</a:t>
+              <a:t>I also see a clear need to establish adequate User Documentation and training.  Ideally we would like to try to establish a community of users also to share knowledge.</a:t>
             </a:r>
             <a:endParaRPr lang="en-AU" dirty="0"/>
           </a:p>
@@ -4506,6 +4534,13 @@
   <p:clrMapOvr>
     <a:masterClrMapping/>
   </p:clrMapOvr>
+  <p:timing>
+    <p:tnLst>
+      <p:par>
+        <p:cTn xmlns:p14="http://schemas.microsoft.com/office/powerpoint/2010/main" id="1" dur="indefinite" restart="never" nodeType="tmRoot"/>
+      </p:par>
+    </p:tnLst>
+  </p:timing>
 </p:sld>
 </file>
 
@@ -4634,6 +4669,13 @@
   <p:clrMapOvr>
     <a:masterClrMapping/>
   </p:clrMapOvr>
+  <p:timing>
+    <p:tnLst>
+      <p:par>
+        <p:cTn xmlns:p14="http://schemas.microsoft.com/office/powerpoint/2010/main" id="1" dur="indefinite" restart="never" nodeType="tmRoot"/>
+      </p:par>
+    </p:tnLst>
+  </p:timing>
 </p:sld>
 </file>
 
@@ -4686,7 +4728,7 @@
           <p:nvPr>
             <p:extLst>
               <p:ext uri="{D42A27DB-BD31-4B8C-83A1-F6EECF244321}">
-                <p14:modId xmlns:p14="http://schemas.microsoft.com/office/powerpoint/2010/main" val="666506043"/>
+                <p14:modId xmlns:p14="http://schemas.microsoft.com/office/powerpoint/2010/main" val="1334576338"/>
               </p:ext>
             </p:extLst>
           </p:nvPr>
@@ -5042,7 +5084,7 @@
                     <a:p>
                       <a:r>
                         <a:rPr lang="en-AU" sz="1600" dirty="0" smtClean="0"/>
-                        <a:t> ?</a:t>
+                        <a:t>?</a:t>
                       </a:r>
                       <a:endParaRPr lang="en-AU" sz="1600" dirty="0"/>
                     </a:p>
@@ -5059,6 +5101,13 @@
   <p:clrMapOvr>
     <a:masterClrMapping/>
   </p:clrMapOvr>
+  <p:timing>
+    <p:tnLst>
+      <p:par>
+        <p:cTn xmlns:p14="http://schemas.microsoft.com/office/powerpoint/2010/main" id="1" dur="indefinite" restart="never" nodeType="tmRoot"/>
+      </p:par>
+    </p:tnLst>
+  </p:timing>
 </p:sld>
 </file>
 
@@ -5199,7 +5248,7 @@
             <a:pPr lvl="3"/>
             <a:r>
               <a:rPr lang="en-AU" dirty="0" smtClean="0"/>
-              <a:t>Completed</a:t>
+              <a:t>Completed and Signed off</a:t>
             </a:r>
             <a:endParaRPr lang="en-AU" dirty="0" smtClean="0">
               <a:solidFill>
@@ -5231,8 +5280,21 @@
             <a:pPr lvl="3"/>
             <a:r>
               <a:rPr lang="en-AU" dirty="0" smtClean="0"/>
-              <a:t>WARTN production data migrated to Production server and undergoing acceptance testing by SJOG staff</a:t>
-            </a:r>
+              <a:t>WARTN production data migrated to Production server and undergoing acceptance testing by SJOG </a:t>
+            </a:r>
+            <a:r>
+              <a:rPr lang="en-AU" dirty="0" smtClean="0"/>
+              <a:t>staff.  Intended to be complete for upcoming </a:t>
+            </a:r>
+            <a:r>
+              <a:rPr lang="en-AU" dirty="0" err="1" smtClean="0"/>
+              <a:t>NeCTAR</a:t>
+            </a:r>
+            <a:r>
+              <a:rPr lang="en-AU" dirty="0" smtClean="0"/>
+              <a:t> report.</a:t>
+            </a:r>
+            <a:endParaRPr lang="en-AU" dirty="0" smtClean="0"/>
           </a:p>
           <a:p>
             <a:endParaRPr lang="en-US" dirty="0" smtClean="0"/>
@@ -5355,8 +5417,13 @@
             </a:r>
             <a:r>
               <a:rPr lang="en-AU" sz="1600" dirty="0" smtClean="0"/>
-              <a:t> April, 2013. </a:t>
-            </a:r>
+              <a:t> April, 2013</a:t>
+            </a:r>
+            <a:r>
+              <a:rPr lang="en-AU" sz="1600" dirty="0" smtClean="0"/>
+              <a:t>.</a:t>
+            </a:r>
+            <a:endParaRPr lang="en-AU" sz="1600" dirty="0" smtClean="0"/>
           </a:p>
           <a:p>
             <a:pPr lvl="2"/>
@@ -5745,6 +5812,13 @@
   <p:clrMapOvr>
     <a:masterClrMapping/>
   </p:clrMapOvr>
+  <p:timing>
+    <p:tnLst>
+      <p:par>
+        <p:cTn xmlns:p14="http://schemas.microsoft.com/office/powerpoint/2010/main" id="1" dur="indefinite" restart="never" nodeType="tmRoot"/>
+      </p:par>
+    </p:tnLst>
+  </p:timing>
 </p:sld>
 </file>
 
@@ -5933,6 +6007,10 @@
             </a:r>
           </a:p>
           <a:p>
+            <a:r>
+              <a:rPr lang="en-US" dirty="0" smtClean="0"/>
+              <a:t>I have proposed some operational improvements going forward;</a:t>
+            </a:r>
             <a:endParaRPr lang="en-US" dirty="0" smtClean="0"/>
           </a:p>
           <a:p>

--- a/usefulTools/TestFilesAndDocuments/steering committee/NeCTAR/Steering Committee Meetings/Steering Committee Meeting March_2013.pptx
+++ b/usefulTools/TestFilesAndDocuments/steering committee/NeCTAR/Steering Committee Meetings/Steering Committee Meeting March_2013.pptx
@@ -204,7 +204,7 @@
             <a:fld id="{92B19F2E-EF50-DE4D-908B-6C00CF9B5377}" type="datetimeFigureOut">
               <a:rPr lang="en-US" smtClean="0"/>
               <a:pPr/>
-              <a:t>3/26/13</a:t>
+              <a:t>3/27/2013</a:t>
             </a:fld>
             <a:endParaRPr lang="en-US"/>
           </a:p>
@@ -375,7 +375,7 @@
     </p:spTree>
     <p:extLst>
       <p:ext uri="{BB962C8B-B14F-4D97-AF65-F5344CB8AC3E}">
-        <p14:creationId xmlns:p14="http://schemas.microsoft.com/office/powerpoint/2010/main" val="3172385132"/>
+        <p14:creationId xmlns:p14="http://schemas.microsoft.com/office/powerpoint/2010/main" xmlns="" val="3172385132"/>
       </p:ext>
     </p:extLst>
   </p:cSld>
@@ -844,7 +844,7 @@
             <a:fld id="{B50F8758-A08F-1348-96F2-3E0A00C94667}" type="datetimeFigureOut">
               <a:rPr lang="en-US" smtClean="0"/>
               <a:pPr/>
-              <a:t>3/26/13</a:t>
+              <a:t>3/27/2013</a:t>
             </a:fld>
             <a:endParaRPr lang="en-US"/>
           </a:p>
@@ -1037,7 +1037,7 @@
             <a:fld id="{B50F8758-A08F-1348-96F2-3E0A00C94667}" type="datetimeFigureOut">
               <a:rPr lang="en-US" smtClean="0"/>
               <a:pPr/>
-              <a:t>3/26/13</a:t>
+              <a:t>3/27/2013</a:t>
             </a:fld>
             <a:endParaRPr lang="en-US"/>
           </a:p>
@@ -1219,7 +1219,7 @@
             <a:fld id="{B50F8758-A08F-1348-96F2-3E0A00C94667}" type="datetimeFigureOut">
               <a:rPr lang="en-US" smtClean="0"/>
               <a:pPr/>
-              <a:t>3/26/13</a:t>
+              <a:t>3/27/2013</a:t>
             </a:fld>
             <a:endParaRPr lang="en-US"/>
           </a:p>
@@ -1484,7 +1484,7 @@
             <a:fld id="{B50F8758-A08F-1348-96F2-3E0A00C94667}" type="datetimeFigureOut">
               <a:rPr lang="en-US" smtClean="0"/>
               <a:pPr/>
-              <a:t>3/26/13</a:t>
+              <a:t>3/27/2013</a:t>
             </a:fld>
             <a:endParaRPr lang="en-US"/>
           </a:p>
@@ -1812,7 +1812,7 @@
             <a:fld id="{B50F8758-A08F-1348-96F2-3E0A00C94667}" type="datetimeFigureOut">
               <a:rPr lang="en-US" smtClean="0"/>
               <a:pPr/>
-              <a:t>3/26/13</a:t>
+              <a:t>3/27/2013</a:t>
             </a:fld>
             <a:endParaRPr lang="en-US"/>
           </a:p>
@@ -2056,7 +2056,7 @@
             <a:fld id="{B50F8758-A08F-1348-96F2-3E0A00C94667}" type="datetimeFigureOut">
               <a:rPr lang="en-US" smtClean="0"/>
               <a:pPr/>
-              <a:t>3/26/13</a:t>
+              <a:t>3/27/2013</a:t>
             </a:fld>
             <a:endParaRPr lang="en-US"/>
           </a:p>
@@ -2294,7 +2294,7 @@
             <a:fld id="{B50F8758-A08F-1348-96F2-3E0A00C94667}" type="datetimeFigureOut">
               <a:rPr lang="en-US" smtClean="0"/>
               <a:pPr/>
-              <a:t>3/26/13</a:t>
+              <a:t>3/27/2013</a:t>
             </a:fld>
             <a:endParaRPr lang="en-US"/>
           </a:p>
@@ -2491,7 +2491,7 @@
             <a:fld id="{B50F8758-A08F-1348-96F2-3E0A00C94667}" type="datetimeFigureOut">
               <a:rPr lang="en-US" smtClean="0"/>
               <a:pPr/>
-              <a:t>3/26/13</a:t>
+              <a:t>3/27/2013</a:t>
             </a:fld>
             <a:endParaRPr lang="en-US"/>
           </a:p>
@@ -2591,7 +2591,7 @@
             <a:fld id="{B50F8758-A08F-1348-96F2-3E0A00C94667}" type="datetimeFigureOut">
               <a:rPr lang="en-US" smtClean="0"/>
               <a:pPr/>
-              <a:t>3/26/13</a:t>
+              <a:t>3/27/2013</a:t>
             </a:fld>
             <a:endParaRPr lang="en-US"/>
           </a:p>
@@ -2729,7 +2729,7 @@
             <a:fld id="{B50F8758-A08F-1348-96F2-3E0A00C94667}" type="datetimeFigureOut">
               <a:rPr lang="en-US" smtClean="0"/>
               <a:pPr/>
-              <a:t>3/26/13</a:t>
+              <a:t>3/27/2013</a:t>
             </a:fld>
             <a:endParaRPr lang="en-US"/>
           </a:p>
@@ -3244,7 +3244,7 @@
             <a:fld id="{B50F8758-A08F-1348-96F2-3E0A00C94667}" type="datetimeFigureOut">
               <a:rPr lang="en-US" smtClean="0"/>
               <a:pPr/>
-              <a:t>3/26/13</a:t>
+              <a:t>3/27/2013</a:t>
             </a:fld>
             <a:endParaRPr lang="en-US"/>
           </a:p>
@@ -3507,7 +3507,7 @@
             <a:fld id="{B50F8758-A08F-1348-96F2-3E0A00C94667}" type="datetimeFigureOut">
               <a:rPr lang="en-US" smtClean="0"/>
               <a:pPr/>
-              <a:t>3/26/13</a:t>
+              <a:t>3/27/2013</a:t>
             </a:fld>
             <a:endParaRPr lang="en-US"/>
           </a:p>
@@ -4190,7 +4190,7 @@
   <p:timing>
     <p:tnLst>
       <p:par>
-        <p:cTn xmlns:p14="http://schemas.microsoft.com/office/powerpoint/2010/main" id="1" dur="indefinite" restart="never" nodeType="tmRoot"/>
+        <p:cTn id="1" dur="indefinite" restart="never" nodeType="tmRoot"/>
       </p:par>
     </p:tnLst>
   </p:timing>
@@ -4271,11 +4271,7 @@
             <a:pPr lvl="1"/>
             <a:r>
               <a:rPr lang="en-AU" dirty="0" smtClean="0"/>
-              <a:t>All </a:t>
-            </a:r>
-            <a:r>
-              <a:rPr lang="en-AU" dirty="0" smtClean="0"/>
-              <a:t>participants and committee members are welcome to view progress and make feature requests</a:t>
+              <a:t>All participants and committee members are welcome to view progress and make feature requests</a:t>
             </a:r>
           </a:p>
           <a:p>
@@ -4289,11 +4285,7 @@
             <a:pPr lvl="1"/>
             <a:r>
               <a:rPr lang="en-AU" dirty="0" smtClean="0"/>
-              <a:t>For those seeking a less proactive view, a manually produced summary email could be sent on some regular interval (monthly or fortnightly) if required</a:t>
-            </a:r>
-            <a:r>
-              <a:rPr lang="en-AU" dirty="0" smtClean="0"/>
-              <a:t>.</a:t>
+              <a:t>For those seeking a less proactive view, a manually produced summary email could be sent on some regular interval (monthly or fortnightly) if required.</a:t>
             </a:r>
           </a:p>
           <a:p>
@@ -4302,7 +4294,6 @@
               <a:rPr lang="en-AU" dirty="0" smtClean="0"/>
               <a:t>Hopefully part of a fundamental philosophy/ethos: dealing with issues upfront and openly to get the best outcome</a:t>
             </a:r>
-            <a:endParaRPr lang="en-AU" dirty="0" smtClean="0"/>
           </a:p>
           <a:p>
             <a:endParaRPr lang="en-AU" dirty="0"/>
@@ -4317,7 +4308,7 @@
   <p:timing>
     <p:tnLst>
       <p:par>
-        <p:cTn xmlns:p14="http://schemas.microsoft.com/office/powerpoint/2010/main" id="1" dur="indefinite" restart="never" nodeType="tmRoot"/>
+        <p:cTn id="1" dur="indefinite" restart="never" nodeType="tmRoot"/>
       </p:par>
     </p:tnLst>
   </p:timing>
@@ -4383,11 +4374,7 @@
           <a:p>
             <a:r>
               <a:rPr lang="en-AU" dirty="0" smtClean="0"/>
-              <a:t>Prioritization – this project is already at or beyond full capacity.  Feature requests are welcomed via the JIRA system.  </a:t>
-            </a:r>
-            <a:r>
-              <a:rPr lang="en-AU" dirty="0" smtClean="0"/>
-              <a:t>However, </a:t>
+              <a:t>Prioritization – this project is already at or beyond full capacity.  Feature requests are welcomed via the JIRA system.  However, </a:t>
             </a:r>
             <a:r>
               <a:rPr lang="en-AU" b="1" dirty="0" smtClean="0"/>
@@ -4423,7 +4410,7 @@
   <p:timing>
     <p:tnLst>
       <p:par>
-        <p:cTn xmlns:p14="http://schemas.microsoft.com/office/powerpoint/2010/main" id="1" dur="indefinite" restart="never" nodeType="tmRoot"/>
+        <p:cTn id="1" dur="indefinite" restart="never" nodeType="tmRoot"/>
       </p:par>
     </p:tnLst>
   </p:timing>
@@ -4498,7 +4485,6 @@
               <a:rPr lang="en-AU" dirty="0" smtClean="0"/>
               <a:t>We will try to ensure there is not one human point of failure for the system.</a:t>
             </a:r>
-            <a:endParaRPr lang="en-AU" dirty="0" smtClean="0"/>
           </a:p>
           <a:p>
             <a:pPr lvl="1"/>
@@ -4527,7 +4513,7 @@
     </p:spTree>
     <p:extLst>
       <p:ext uri="{BB962C8B-B14F-4D97-AF65-F5344CB8AC3E}">
-        <p14:creationId xmlns:p14="http://schemas.microsoft.com/office/powerpoint/2010/main" val="1652202743"/>
+        <p14:creationId xmlns:p14="http://schemas.microsoft.com/office/powerpoint/2010/main" xmlns="" val="1652202743"/>
       </p:ext>
     </p:extLst>
   </p:cSld>
@@ -4537,7 +4523,7 @@
   <p:timing>
     <p:tnLst>
       <p:par>
-        <p:cTn xmlns:p14="http://schemas.microsoft.com/office/powerpoint/2010/main" id="1" dur="indefinite" restart="never" nodeType="tmRoot"/>
+        <p:cTn id="1" dur="indefinite" restart="never" nodeType="tmRoot"/>
       </p:par>
     </p:tnLst>
   </p:timing>
@@ -4607,7 +4593,29 @@
             </a:pPr>
             <a:r>
               <a:rPr lang="en-AU" dirty="0" smtClean="0"/>
-              <a:t>Project Report</a:t>
+              <a:t>Action Items from </a:t>
+            </a:r>
+            <a:r>
+              <a:rPr lang="en-AU" dirty="0" smtClean="0"/>
+              <a:t>P</a:t>
+            </a:r>
+            <a:r>
+              <a:rPr lang="en-AU" dirty="0" smtClean="0"/>
+              <a:t>revious Meeting</a:t>
+            </a:r>
+          </a:p>
+          <a:p>
+            <a:pPr marL="514350" lvl="0" indent="-514350">
+              <a:buFont typeface="+mj-lt"/>
+              <a:buAutoNum type="arabicPeriod"/>
+            </a:pPr>
+            <a:r>
+              <a:rPr lang="en-AU" dirty="0" smtClean="0"/>
+              <a:t>Project </a:t>
+            </a:r>
+            <a:r>
+              <a:rPr lang="en-AU" dirty="0" smtClean="0"/>
+              <a:t>Report</a:t>
             </a:r>
           </a:p>
           <a:p>
@@ -4672,7 +4680,7 @@
   <p:timing>
     <p:tnLst>
       <p:par>
-        <p:cTn xmlns:p14="http://schemas.microsoft.com/office/powerpoint/2010/main" id="1" dur="indefinite" restart="never" nodeType="tmRoot"/>
+        <p:cTn id="1" dur="indefinite" restart="never" nodeType="tmRoot"/>
       </p:par>
     </p:tnLst>
   </p:timing>
@@ -4728,14 +4736,14 @@
           <p:nvPr>
             <p:extLst>
               <p:ext uri="{D42A27DB-BD31-4B8C-83A1-F6EECF244321}">
-                <p14:modId xmlns:p14="http://schemas.microsoft.com/office/powerpoint/2010/main" val="1334576338"/>
+                <p14:modId xmlns:p14="http://schemas.microsoft.com/office/powerpoint/2010/main" xmlns="" val="1334576338"/>
               </p:ext>
             </p:extLst>
           </p:nvPr>
         </p:nvGraphicFramePr>
         <p:xfrm>
           <a:off x="612645" y="1193277"/>
-          <a:ext cx="8344542" cy="4973319"/>
+          <a:ext cx="8344542" cy="4973320"/>
         </p:xfrm>
         <a:graphic>
           <a:graphicData uri="http://schemas.openxmlformats.org/drawingml/2006/table">
@@ -4794,14 +4802,6 @@
                         </a:rPr>
                         <a:t>Paul White to investigate starting a BLOG for the project</a:t>
                       </a:r>
-                      <a:endParaRPr kumimoji="0" lang="en-AU" sz="1600" kern="1200" dirty="0" smtClean="0">
-                        <a:solidFill>
-                          <a:schemeClr val="dk1"/>
-                        </a:solidFill>
-                        <a:latin typeface="+mn-lt"/>
-                        <a:ea typeface="+mn-ea"/>
-                        <a:cs typeface="+mn-cs"/>
-                      </a:endParaRPr>
                     </a:p>
                   </a:txBody>
                   <a:tcPr/>
@@ -5104,7 +5104,7 @@
   <p:timing>
     <p:tnLst>
       <p:par>
-        <p:cTn xmlns:p14="http://schemas.microsoft.com/office/powerpoint/2010/main" id="1" dur="indefinite" restart="never" nodeType="tmRoot"/>
+        <p:cTn id="1" dur="indefinite" restart="never" nodeType="tmRoot"/>
       </p:par>
     </p:tnLst>
   </p:timing>
@@ -5176,15 +5176,7 @@
             <a:pPr lvl="1"/>
             <a:r>
               <a:rPr lang="en-AU" dirty="0" smtClean="0"/>
-              <a:t>Funding Milestone 1 – </a:t>
-            </a:r>
-            <a:r>
-              <a:rPr lang="en-AU" dirty="0" smtClean="0"/>
-              <a:t>Achieved and Payment </a:t>
-            </a:r>
-            <a:r>
-              <a:rPr lang="en-AU" dirty="0" smtClean="0"/>
-              <a:t>received</a:t>
+              <a:t>Funding Milestone 1 – Achieved and Payment received</a:t>
             </a:r>
           </a:p>
           <a:p>
@@ -5260,13 +5252,8 @@
             <a:pPr lvl="2"/>
             <a:r>
               <a:rPr lang="en-AU" dirty="0" smtClean="0"/>
-              <a:t>Initial Production Research Cloud </a:t>
-            </a:r>
-            <a:r>
-              <a:rPr lang="en-AU" dirty="0" smtClean="0"/>
-              <a:t>Deployment</a:t>
-            </a:r>
-            <a:endParaRPr lang="en-AU" dirty="0" smtClean="0"/>
+              <a:t>Initial Production Research Cloud Deployment</a:t>
+            </a:r>
           </a:p>
           <a:p>
             <a:pPr lvl="3"/>
@@ -5274,17 +5261,12 @@
               <a:rPr lang="en-AU" dirty="0" smtClean="0"/>
               <a:t>Code base has been approved in test environment</a:t>
             </a:r>
-            <a:endParaRPr lang="en-AU" dirty="0" smtClean="0"/>
           </a:p>
           <a:p>
             <a:pPr lvl="3"/>
             <a:r>
               <a:rPr lang="en-AU" dirty="0" smtClean="0"/>
-              <a:t>WARTN production data migrated to Production server and undergoing acceptance testing by SJOG </a:t>
-            </a:r>
-            <a:r>
-              <a:rPr lang="en-AU" dirty="0" smtClean="0"/>
-              <a:t>staff.  Intended to be complete for upcoming </a:t>
+              <a:t>WARTN production data migrated to Production server and undergoing acceptance testing by SJOG staff.  Intended to be complete for upcoming </a:t>
             </a:r>
             <a:r>
               <a:rPr lang="en-AU" dirty="0" err="1" smtClean="0"/>
@@ -5294,7 +5276,6 @@
               <a:rPr lang="en-AU" dirty="0" smtClean="0"/>
               <a:t> report.</a:t>
             </a:r>
-            <a:endParaRPr lang="en-AU" dirty="0" smtClean="0"/>
           </a:p>
           <a:p>
             <a:endParaRPr lang="en-US" dirty="0" smtClean="0"/>
@@ -5315,7 +5296,7 @@
   <p:timing>
     <p:tnLst>
       <p:par>
-        <p:cTn xmlns:p14="http://schemas.microsoft.com/office/powerpoint/2010/main" id="1" dur="indefinite" restart="never" nodeType="tmRoot"/>
+        <p:cTn id="1" dur="indefinite" restart="never" nodeType="tmRoot"/>
       </p:par>
     </p:tnLst>
   </p:timing>
@@ -5417,13 +5398,8 @@
             </a:r>
             <a:r>
               <a:rPr lang="en-AU" sz="1600" dirty="0" smtClean="0"/>
-              <a:t> April, 2013</a:t>
-            </a:r>
-            <a:r>
-              <a:rPr lang="en-AU" sz="1600" dirty="0" smtClean="0"/>
-              <a:t>.</a:t>
-            </a:r>
-            <a:endParaRPr lang="en-AU" sz="1600" dirty="0" smtClean="0"/>
+              <a:t> April, 2013.</a:t>
+            </a:r>
           </a:p>
           <a:p>
             <a:pPr lvl="2"/>
@@ -5487,25 +5463,8 @@
             <a:pPr lvl="3"/>
             <a:r>
               <a:rPr lang="en-AU" sz="1600" dirty="0" smtClean="0"/>
-              <a:t>100</a:t>
-            </a:r>
-            <a:r>
-              <a:rPr lang="en-AU" sz="1600" dirty="0" smtClean="0"/>
-              <a:t>% Complete </a:t>
-            </a:r>
-            <a:r>
-              <a:rPr lang="en-AU" sz="1600" dirty="0" smtClean="0"/>
-              <a:t>(subject to user acceptance) – </a:t>
-            </a:r>
-            <a:r>
-              <a:rPr lang="en-AU" sz="1600" dirty="0" smtClean="0"/>
-              <a:t>was required to support SJOG data </a:t>
-            </a:r>
-            <a:r>
-              <a:rPr lang="en-AU" sz="1600" dirty="0" smtClean="0"/>
-              <a:t>migration.    </a:t>
-            </a:r>
-            <a:endParaRPr lang="en-AU" sz="1600" dirty="0" smtClean="0"/>
+              <a:t>100% Complete (subject to user acceptance) – was required to support SJOG data migration.    </a:t>
+            </a:r>
           </a:p>
           <a:p>
             <a:pPr lvl="2"/>
@@ -5541,7 +5500,7 @@
   <p:timing>
     <p:tnLst>
       <p:par>
-        <p:cTn xmlns:p14="http://schemas.microsoft.com/office/powerpoint/2010/main" id="1" dur="indefinite" restart="never" nodeType="tmRoot"/>
+        <p:cTn id="1" dur="indefinite" restart="never" nodeType="tmRoot"/>
       </p:par>
     </p:tnLst>
   </p:timing>
@@ -5634,25 +5593,15 @@
             </a:r>
             <a:r>
               <a:rPr lang="en-AU" sz="2800" dirty="0" smtClean="0"/>
-              <a:t> contribution: </a:t>
-            </a:r>
+              <a:t> contribution: $289,00 (note revised down from initial request)</a:t>
+            </a:r>
+          </a:p>
+          <a:p>
+            <a:pPr lvl="0"/>
             <a:r>
               <a:rPr lang="en-AU" sz="2800" dirty="0" smtClean="0"/>
-              <a:t>$289,00 (note revised down from initial request)</a:t>
-            </a:r>
-            <a:endParaRPr lang="en-AU" sz="2800" dirty="0" smtClean="0"/>
-          </a:p>
-          <a:p>
-            <a:pPr lvl="0"/>
-            <a:r>
-              <a:rPr lang="en-AU" sz="2800" dirty="0" smtClean="0"/>
-              <a:t>Total co-investment: </a:t>
-            </a:r>
-            <a:r>
-              <a:rPr lang="en-AU" sz="2800" dirty="0" smtClean="0"/>
-              <a:t>$324,965</a:t>
-            </a:r>
-            <a:endParaRPr lang="en-AU" sz="2800" dirty="0" smtClean="0"/>
+              <a:t>Total co-investment: $324,965</a:t>
+            </a:r>
           </a:p>
           <a:p>
             <a:pPr lvl="0"/>
@@ -5723,7 +5672,7 @@
   <p:timing>
     <p:tnLst>
       <p:par>
-        <p:cTn xmlns:p14="http://schemas.microsoft.com/office/powerpoint/2010/main" id="1" dur="indefinite" restart="never" nodeType="tmRoot"/>
+        <p:cTn id="1" dur="indefinite" restart="never" nodeType="tmRoot"/>
       </p:par>
     </p:tnLst>
   </p:timing>
@@ -5788,7 +5737,7 @@
           <a:blip r:embed="rId2">
             <a:extLst>
               <a:ext uri="{28A0092B-C50C-407E-A947-70E740481C1C}">
-                <a14:useLocalDpi xmlns:a14="http://schemas.microsoft.com/office/drawing/2010/main" val="0"/>
+                <a14:useLocalDpi xmlns:a14="http://schemas.microsoft.com/office/drawing/2010/main" xmlns="" val="0"/>
               </a:ext>
             </a:extLst>
           </a:blip>
@@ -5805,7 +5754,7 @@
     </p:spTree>
     <p:extLst>
       <p:ext uri="{BB962C8B-B14F-4D97-AF65-F5344CB8AC3E}">
-        <p14:creationId xmlns:p14="http://schemas.microsoft.com/office/powerpoint/2010/main" val="484579873"/>
+        <p14:creationId xmlns:p14="http://schemas.microsoft.com/office/powerpoint/2010/main" xmlns="" val="484579873"/>
       </p:ext>
     </p:extLst>
   </p:cSld>
@@ -5815,7 +5764,7 @@
   <p:timing>
     <p:tnLst>
       <p:par>
-        <p:cTn xmlns:p14="http://schemas.microsoft.com/office/powerpoint/2010/main" id="1" dur="indefinite" restart="never" nodeType="tmRoot"/>
+        <p:cTn id="1" dur="indefinite" restart="never" nodeType="tmRoot"/>
       </p:par>
     </p:tnLst>
   </p:timing>
@@ -5880,7 +5829,7 @@
           <a:blip r:embed="rId2">
             <a:extLst>
               <a:ext uri="{28A0092B-C50C-407E-A947-70E740481C1C}">
-                <a14:useLocalDpi xmlns:a14="http://schemas.microsoft.com/office/drawing/2010/main" val="0"/>
+                <a14:useLocalDpi xmlns:a14="http://schemas.microsoft.com/office/drawing/2010/main" xmlns="" val="0"/>
               </a:ext>
             </a:extLst>
           </a:blip>
@@ -5913,7 +5862,7 @@
   <p:timing>
     <p:tnLst>
       <p:par>
-        <p:cTn xmlns:p14="http://schemas.microsoft.com/office/powerpoint/2010/main" id="1" dur="indefinite" restart="never" nodeType="tmRoot"/>
+        <p:cTn id="1" dur="indefinite" restart="never" nodeType="tmRoot"/>
       </p:par>
     </p:tnLst>
   </p:timing>
@@ -5993,17 +5942,12 @@
               <a:rPr lang="en-AU" dirty="0" smtClean="0"/>
               <a:t> Grant under way to facilitate super computer analysis routines from within the ARK.</a:t>
             </a:r>
-            <a:endParaRPr lang="en-AU" dirty="0" smtClean="0"/>
           </a:p>
           <a:p>
             <a:pPr lvl="0"/>
             <a:r>
               <a:rPr lang="en-AU" dirty="0" smtClean="0"/>
-              <a:t>Date for next meeting – propose mid June, 2013</a:t>
-            </a:r>
-            <a:r>
-              <a:rPr lang="en-AU" dirty="0" smtClean="0"/>
-              <a:t>.</a:t>
+              <a:t>Date for next meeting – propose mid June, 2013.</a:t>
             </a:r>
           </a:p>
           <a:p>
@@ -6011,7 +5955,6 @@
               <a:rPr lang="en-US" dirty="0" smtClean="0"/>
               <a:t>I have proposed some operational improvements going forward;</a:t>
             </a:r>
-            <a:endParaRPr lang="en-US" dirty="0" smtClean="0"/>
           </a:p>
           <a:p>
             <a:endParaRPr lang="en-US" dirty="0" smtClean="0"/>
@@ -6026,7 +5969,7 @@
   <p:timing>
     <p:tnLst>
       <p:par>
-        <p:cTn xmlns:p14="http://schemas.microsoft.com/office/powerpoint/2010/main" id="1" dur="indefinite" restart="never" nodeType="tmRoot"/>
+        <p:cTn id="1" dur="indefinite" restart="never" nodeType="tmRoot"/>
       </p:par>
     </p:tnLst>
   </p:timing>

--- a/usefulTools/TestFilesAndDocuments/steering committee/NeCTAR/Steering Committee Meetings/Steering Committee Meeting March_2013.pptx
+++ b/usefulTools/TestFilesAndDocuments/steering committee/NeCTAR/Steering Committee Meetings/Steering Committee Meeting March_2013.pptx
@@ -4250,7 +4250,7 @@
         <p:spPr/>
         <p:txBody>
           <a:bodyPr>
-            <a:normAutofit fontScale="92500"/>
+            <a:normAutofit fontScale="92500" lnSpcReduction="10000"/>
           </a:bodyPr>
           <a:lstStyle/>
           <a:p>
@@ -5023,7 +5023,7 @@
                     <a:p>
                       <a:r>
                         <a:rPr lang="en-AU" sz="1600" dirty="0" smtClean="0"/>
-                        <a:t>?</a:t>
+                        <a:t>Travis will take these?</a:t>
                       </a:r>
                       <a:endParaRPr lang="en-AU" sz="1600" dirty="0"/>
                     </a:p>
@@ -5084,6 +5084,14 @@
                     <a:p>
                       <a:r>
                         <a:rPr lang="en-AU" sz="1600" dirty="0" smtClean="0"/>
+                        <a:t>Travis</a:t>
+                      </a:r>
+                      <a:r>
+                        <a:rPr lang="en-AU" sz="1600" baseline="0" dirty="0" smtClean="0"/>
+                        <a:t> will take these</a:t>
+                      </a:r>
+                      <a:r>
+                        <a:rPr lang="en-AU" sz="1600" dirty="0" smtClean="0"/>
                         <a:t>?</a:t>
                       </a:r>
                       <a:endParaRPr lang="en-AU" sz="1600" dirty="0"/>
@@ -5593,7 +5601,15 @@
             </a:r>
             <a:r>
               <a:rPr lang="en-AU" sz="2800" dirty="0" smtClean="0"/>
-              <a:t> contribution: $289,00 (note revised down from initial request)</a:t>
+              <a:t> contribution: $</a:t>
+            </a:r>
+            <a:r>
+              <a:rPr lang="en-AU" sz="2800" dirty="0" smtClean="0"/>
+              <a:t>289,000 </a:t>
+            </a:r>
+            <a:r>
+              <a:rPr lang="en-AU" sz="2800" dirty="0" smtClean="0"/>
+              <a:t>(note revised down from initial request)</a:t>
             </a:r>
           </a:p>
           <a:p>
@@ -5947,8 +5963,24 @@
             <a:pPr lvl="0"/>
             <a:r>
               <a:rPr lang="en-AU" dirty="0" smtClean="0"/>
-              <a:t>Date for next meeting – propose mid June, 2013.</a:t>
-            </a:r>
+              <a:t>Date for next meeting – propose mid June, 2013</a:t>
+            </a:r>
+            <a:r>
+              <a:rPr lang="en-AU" dirty="0" smtClean="0"/>
+              <a:t>.</a:t>
+            </a:r>
+          </a:p>
+          <a:p>
+            <a:pPr lvl="0"/>
+            <a:r>
+              <a:rPr lang="en-AU" dirty="0" err="1" smtClean="0"/>
+              <a:t>Updaqte</a:t>
+            </a:r>
+            <a:r>
+              <a:rPr lang="en-AU" dirty="0" smtClean="0"/>
+              <a:t> via email next report milestone</a:t>
+            </a:r>
+            <a:endParaRPr lang="en-AU" dirty="0" smtClean="0"/>
           </a:p>
           <a:p>
             <a:r>

--- a/usefulTools/TestFilesAndDocuments/steering committee/NeCTAR/Steering Committee Meetings/Steering Committee Meeting March_2013.pptx
+++ b/usefulTools/TestFilesAndDocuments/steering committee/NeCTAR/Steering Committee Meetings/Steering Committee Meeting March_2013.pptx
@@ -1,6 +1,6 @@
 
 <file path=ppt/presentation.xml><?xml version="1.0" encoding="utf-8"?>
-<p:presentation xmlns:a="http://schemas.openxmlformats.org/drawingml/2006/main" xmlns:r="http://schemas.openxmlformats.org/officeDocument/2006/relationships" xmlns:p="http://schemas.openxmlformats.org/presentationml/2006/main" saveSubsetFonts="1" autoCompressPictures="0">
+<p:presentation xmlns:a="http://schemas.openxmlformats.org/drawingml/2006/main" xmlns:r="http://schemas.openxmlformats.org/officeDocument/2006/relationships" xmlns:mc="http://schemas.openxmlformats.org/markup-compatibility/2006" xmlns:mv="urn:schemas-microsoft-com:mac:vml" xmlns:p="http://schemas.openxmlformats.org/presentationml/2006/main" mc:Ignorable="mv" mc:PreserveAttributes="mv:*" saveSubsetFonts="1" autoCompressPictures="0">
   <p:sldMasterIdLst>
     <p:sldMasterId id="2147484015" r:id="rId1"/>
   </p:sldMasterIdLst>
@@ -122,7 +122,7 @@
 </file>
 
 <file path=ppt/notesMasters/notesMaster1.xml><?xml version="1.0" encoding="utf-8"?>
-<p:notesMaster xmlns:a="http://schemas.openxmlformats.org/drawingml/2006/main" xmlns:r="http://schemas.openxmlformats.org/officeDocument/2006/relationships" xmlns:p="http://schemas.openxmlformats.org/presentationml/2006/main">
+<p:notesMaster xmlns:a="http://schemas.openxmlformats.org/drawingml/2006/main" xmlns:r="http://schemas.openxmlformats.org/officeDocument/2006/relationships" xmlns:mc="http://schemas.openxmlformats.org/markup-compatibility/2006" xmlns:mv="urn:schemas-microsoft-com:mac:vml" xmlns:p="http://schemas.openxmlformats.org/presentationml/2006/main" mc:Ignorable="mv" mc:PreserveAttributes="mv:*">
   <p:cSld>
     <p:bg>
       <p:bgRef idx="1001">
@@ -204,7 +204,7 @@
             <a:fld id="{92B19F2E-EF50-DE4D-908B-6C00CF9B5377}" type="datetimeFigureOut">
               <a:rPr lang="en-US" smtClean="0"/>
               <a:pPr/>
-              <a:t>3/27/2013</a:t>
+              <a:t>4/28/13</a:t>
             </a:fld>
             <a:endParaRPr lang="en-US"/>
           </a:p>
@@ -375,7 +375,7 @@
     </p:spTree>
     <p:extLst>
       <p:ext uri="{BB962C8B-B14F-4D97-AF65-F5344CB8AC3E}">
-        <p14:creationId xmlns:p14="http://schemas.microsoft.com/office/powerpoint/2010/main" xmlns="" val="3172385132"/>
+        <p14:creationId xmlns="" xmlns:p14="http://schemas.microsoft.com/office/powerpoint/2010/main" xmlns:p="http://schemas.openxmlformats.org/presentationml/2006/main" xmlns:r="http://schemas.openxmlformats.org/officeDocument/2006/relationships" xmlns:a="http://schemas.openxmlformats.org/drawingml/2006/main" val="3172385132"/>
       </p:ext>
     </p:extLst>
   </p:cSld>
@@ -476,7 +476,7 @@
 </file>
 
 <file path=ppt/notesSlides/notesSlide1.xml><?xml version="1.0" encoding="utf-8"?>
-<p:notes xmlns:a="http://schemas.openxmlformats.org/drawingml/2006/main" xmlns:r="http://schemas.openxmlformats.org/officeDocument/2006/relationships" xmlns:p="http://schemas.openxmlformats.org/presentationml/2006/main">
+<p:notes xmlns:a="http://schemas.openxmlformats.org/drawingml/2006/main" xmlns:r="http://schemas.openxmlformats.org/officeDocument/2006/relationships" xmlns:mc="http://schemas.openxmlformats.org/markup-compatibility/2006" xmlns:mv="urn:schemas-microsoft-com:mac:vml" xmlns:p="http://schemas.openxmlformats.org/presentationml/2006/main" mc:Ignorable="mv" mc:PreserveAttributes="mv:*">
   <p:cSld>
     <p:spTree>
       <p:nvGrpSpPr>
@@ -558,7 +558,7 @@
 </file>
 
 <file path=ppt/slideLayouts/slideLayout1.xml><?xml version="1.0" encoding="utf-8"?>
-<p:sldLayout xmlns:a="http://schemas.openxmlformats.org/drawingml/2006/main" xmlns:r="http://schemas.openxmlformats.org/officeDocument/2006/relationships" xmlns:p="http://schemas.openxmlformats.org/presentationml/2006/main" showMasterSp="0" type="title" preserve="1">
+<p:sldLayout xmlns:a="http://schemas.openxmlformats.org/drawingml/2006/main" xmlns:r="http://schemas.openxmlformats.org/officeDocument/2006/relationships" xmlns:mc="http://schemas.openxmlformats.org/markup-compatibility/2006" xmlns:mv="urn:schemas-microsoft-com:mac:vml" xmlns:p="http://schemas.openxmlformats.org/presentationml/2006/main" mc:Ignorable="mv" mc:PreserveAttributes="mv:*" showMasterSp="0" type="title" preserve="1">
   <p:cSld name="Title Slide">
     <p:spTree>
       <p:nvGrpSpPr>
@@ -844,7 +844,7 @@
             <a:fld id="{B50F8758-A08F-1348-96F2-3E0A00C94667}" type="datetimeFigureOut">
               <a:rPr lang="en-US" smtClean="0"/>
               <a:pPr/>
-              <a:t>3/27/2013</a:t>
+              <a:t>4/28/13</a:t>
             </a:fld>
             <a:endParaRPr lang="en-US"/>
           </a:p>
@@ -928,7 +928,7 @@
 </file>
 
 <file path=ppt/slideLayouts/slideLayout10.xml><?xml version="1.0" encoding="utf-8"?>
-<p:sldLayout xmlns:a="http://schemas.openxmlformats.org/drawingml/2006/main" xmlns:r="http://schemas.openxmlformats.org/officeDocument/2006/relationships" xmlns:p="http://schemas.openxmlformats.org/presentationml/2006/main" type="vertTx" preserve="1">
+<p:sldLayout xmlns:a="http://schemas.openxmlformats.org/drawingml/2006/main" xmlns:r="http://schemas.openxmlformats.org/officeDocument/2006/relationships" xmlns:mc="http://schemas.openxmlformats.org/markup-compatibility/2006" xmlns:mv="urn:schemas-microsoft-com:mac:vml" xmlns:p="http://schemas.openxmlformats.org/presentationml/2006/main" mc:Ignorable="mv" mc:PreserveAttributes="mv:*" type="vertTx" preserve="1">
   <p:cSld name="Title and Vertical Text">
     <p:spTree>
       <p:nvGrpSpPr>
@@ -1037,7 +1037,7 @@
             <a:fld id="{B50F8758-A08F-1348-96F2-3E0A00C94667}" type="datetimeFigureOut">
               <a:rPr lang="en-US" smtClean="0"/>
               <a:pPr/>
-              <a:t>3/27/2013</a:t>
+              <a:t>4/28/13</a:t>
             </a:fld>
             <a:endParaRPr lang="en-US"/>
           </a:p>
@@ -1095,7 +1095,7 @@
 </file>
 
 <file path=ppt/slideLayouts/slideLayout11.xml><?xml version="1.0" encoding="utf-8"?>
-<p:sldLayout xmlns:a="http://schemas.openxmlformats.org/drawingml/2006/main" xmlns:r="http://schemas.openxmlformats.org/officeDocument/2006/relationships" xmlns:p="http://schemas.openxmlformats.org/presentationml/2006/main" showMasterSp="0" type="vertTitleAndTx" preserve="1">
+<p:sldLayout xmlns:a="http://schemas.openxmlformats.org/drawingml/2006/main" xmlns:r="http://schemas.openxmlformats.org/officeDocument/2006/relationships" xmlns:mc="http://schemas.openxmlformats.org/markup-compatibility/2006" xmlns:mv="urn:schemas-microsoft-com:mac:vml" xmlns:p="http://schemas.openxmlformats.org/presentationml/2006/main" mc:Ignorable="mv" mc:PreserveAttributes="mv:*" showMasterSp="0" type="vertTitleAndTx" preserve="1">
   <p:cSld name="Vertical Title and Text">
     <p:spTree>
       <p:nvGrpSpPr>
@@ -1219,7 +1219,7 @@
             <a:fld id="{B50F8758-A08F-1348-96F2-3E0A00C94667}" type="datetimeFigureOut">
               <a:rPr lang="en-US" smtClean="0"/>
               <a:pPr/>
-              <a:t>3/27/2013</a:t>
+              <a:t>4/28/13</a:t>
             </a:fld>
             <a:endParaRPr lang="en-US"/>
           </a:p>
@@ -1422,7 +1422,7 @@
 </file>
 
 <file path=ppt/slideLayouts/slideLayout2.xml><?xml version="1.0" encoding="utf-8"?>
-<p:sldLayout xmlns:a="http://schemas.openxmlformats.org/drawingml/2006/main" xmlns:r="http://schemas.openxmlformats.org/officeDocument/2006/relationships" xmlns:p="http://schemas.openxmlformats.org/presentationml/2006/main" type="obj" preserve="1">
+<p:sldLayout xmlns:a="http://schemas.openxmlformats.org/drawingml/2006/main" xmlns:r="http://schemas.openxmlformats.org/officeDocument/2006/relationships" xmlns:mc="http://schemas.openxmlformats.org/markup-compatibility/2006" xmlns:mv="urn:schemas-microsoft-com:mac:vml" xmlns:p="http://schemas.openxmlformats.org/presentationml/2006/main" mc:Ignorable="mv" mc:PreserveAttributes="mv:*" type="obj" preserve="1">
   <p:cSld name="Title and Content">
     <p:spTree>
       <p:nvGrpSpPr>
@@ -1484,7 +1484,7 @@
             <a:fld id="{B50F8758-A08F-1348-96F2-3E0A00C94667}" type="datetimeFigureOut">
               <a:rPr lang="en-US" smtClean="0"/>
               <a:pPr/>
-              <a:t>3/27/2013</a:t>
+              <a:t>4/28/13</a:t>
             </a:fld>
             <a:endParaRPr lang="en-US"/>
           </a:p>
@@ -1607,7 +1607,7 @@
 </file>
 
 <file path=ppt/slideLayouts/slideLayout3.xml><?xml version="1.0" encoding="utf-8"?>
-<p:sldLayout xmlns:a="http://schemas.openxmlformats.org/drawingml/2006/main" xmlns:r="http://schemas.openxmlformats.org/officeDocument/2006/relationships" xmlns:p="http://schemas.openxmlformats.org/presentationml/2006/main" showMasterSp="0" preserve="1" userDrawn="1">
+<p:sldLayout xmlns:a="http://schemas.openxmlformats.org/drawingml/2006/main" xmlns:r="http://schemas.openxmlformats.org/officeDocument/2006/relationships" xmlns:mc="http://schemas.openxmlformats.org/markup-compatibility/2006" xmlns:mv="urn:schemas-microsoft-com:mac:vml" xmlns:p="http://schemas.openxmlformats.org/presentationml/2006/main" mc:Ignorable="mv" mc:PreserveAttributes="mv:*" showMasterSp="0" preserve="1" userDrawn="1">
   <p:cSld name="Section Header">
     <p:spTree>
       <p:nvGrpSpPr>
@@ -1812,7 +1812,7 @@
             <a:fld id="{B50F8758-A08F-1348-96F2-3E0A00C94667}" type="datetimeFigureOut">
               <a:rPr lang="en-US" smtClean="0"/>
               <a:pPr/>
-              <a:t>3/27/2013</a:t>
+              <a:t>4/28/13</a:t>
             </a:fld>
             <a:endParaRPr lang="en-US"/>
           </a:p>
@@ -1885,7 +1885,7 @@
 </file>
 
 <file path=ppt/slideLayouts/slideLayout4.xml><?xml version="1.0" encoding="utf-8"?>
-<p:sldLayout xmlns:a="http://schemas.openxmlformats.org/drawingml/2006/main" xmlns:r="http://schemas.openxmlformats.org/officeDocument/2006/relationships" xmlns:p="http://schemas.openxmlformats.org/presentationml/2006/main" type="twoObj" preserve="1">
+<p:sldLayout xmlns:a="http://schemas.openxmlformats.org/drawingml/2006/main" xmlns:r="http://schemas.openxmlformats.org/officeDocument/2006/relationships" xmlns:mc="http://schemas.openxmlformats.org/markup-compatibility/2006" xmlns:mv="urn:schemas-microsoft-com:mac:vml" xmlns:p="http://schemas.openxmlformats.org/presentationml/2006/main" mc:Ignorable="mv" mc:PreserveAttributes="mv:*" type="twoObj" preserve="1">
   <p:cSld name="Two Content">
     <p:spTree>
       <p:nvGrpSpPr>
@@ -2056,7 +2056,7 @@
             <a:fld id="{B50F8758-A08F-1348-96F2-3E0A00C94667}" type="datetimeFigureOut">
               <a:rPr lang="en-US" smtClean="0"/>
               <a:pPr/>
-              <a:t>3/27/2013</a:t>
+              <a:t>4/28/13</a:t>
             </a:fld>
             <a:endParaRPr lang="en-US"/>
           </a:p>
@@ -2114,7 +2114,7 @@
 </file>
 
 <file path=ppt/slideLayouts/slideLayout5.xml><?xml version="1.0" encoding="utf-8"?>
-<p:sldLayout xmlns:a="http://schemas.openxmlformats.org/drawingml/2006/main" xmlns:r="http://schemas.openxmlformats.org/officeDocument/2006/relationships" xmlns:p="http://schemas.openxmlformats.org/presentationml/2006/main" type="twoTxTwoObj" preserve="1">
+<p:sldLayout xmlns:a="http://schemas.openxmlformats.org/drawingml/2006/main" xmlns:r="http://schemas.openxmlformats.org/officeDocument/2006/relationships" xmlns:mc="http://schemas.openxmlformats.org/markup-compatibility/2006" xmlns:mv="urn:schemas-microsoft-com:mac:vml" xmlns:p="http://schemas.openxmlformats.org/presentationml/2006/main" mc:Ignorable="mv" mc:PreserveAttributes="mv:*" type="twoTxTwoObj" preserve="1">
   <p:cSld name="Comparison">
     <p:spTree>
       <p:nvGrpSpPr>
@@ -2294,7 +2294,7 @@
             <a:fld id="{B50F8758-A08F-1348-96F2-3E0A00C94667}" type="datetimeFigureOut">
               <a:rPr lang="en-US" smtClean="0"/>
               <a:pPr/>
-              <a:t>3/27/2013</a:t>
+              <a:t>4/28/13</a:t>
             </a:fld>
             <a:endParaRPr lang="en-US"/>
           </a:p>
@@ -2434,7 +2434,7 @@
 </file>
 
 <file path=ppt/slideLayouts/slideLayout6.xml><?xml version="1.0" encoding="utf-8"?>
-<p:sldLayout xmlns:a="http://schemas.openxmlformats.org/drawingml/2006/main" xmlns:r="http://schemas.openxmlformats.org/officeDocument/2006/relationships" xmlns:p="http://schemas.openxmlformats.org/presentationml/2006/main" type="titleOnly" preserve="1">
+<p:sldLayout xmlns:a="http://schemas.openxmlformats.org/drawingml/2006/main" xmlns:r="http://schemas.openxmlformats.org/officeDocument/2006/relationships" xmlns:mc="http://schemas.openxmlformats.org/markup-compatibility/2006" xmlns:mv="urn:schemas-microsoft-com:mac:vml" xmlns:p="http://schemas.openxmlformats.org/presentationml/2006/main" mc:Ignorable="mv" mc:PreserveAttributes="mv:*" type="titleOnly" preserve="1">
   <p:cSld name="Title Only">
     <p:spTree>
       <p:nvGrpSpPr>
@@ -2491,7 +2491,7 @@
             <a:fld id="{B50F8758-A08F-1348-96F2-3E0A00C94667}" type="datetimeFigureOut">
               <a:rPr lang="en-US" smtClean="0"/>
               <a:pPr/>
-              <a:t>3/27/2013</a:t>
+              <a:t>4/28/13</a:t>
             </a:fld>
             <a:endParaRPr lang="en-US"/>
           </a:p>
@@ -2557,7 +2557,7 @@
 </file>
 
 <file path=ppt/slideLayouts/slideLayout7.xml><?xml version="1.0" encoding="utf-8"?>
-<p:sldLayout xmlns:a="http://schemas.openxmlformats.org/drawingml/2006/main" xmlns:r="http://schemas.openxmlformats.org/officeDocument/2006/relationships" xmlns:p="http://schemas.openxmlformats.org/presentationml/2006/main" showMasterSp="0" type="blank" preserve="1">
+<p:sldLayout xmlns:a="http://schemas.openxmlformats.org/drawingml/2006/main" xmlns:r="http://schemas.openxmlformats.org/officeDocument/2006/relationships" xmlns:mc="http://schemas.openxmlformats.org/markup-compatibility/2006" xmlns:mv="urn:schemas-microsoft-com:mac:vml" xmlns:p="http://schemas.openxmlformats.org/presentationml/2006/main" mc:Ignorable="mv" mc:PreserveAttributes="mv:*" showMasterSp="0" type="blank" preserve="1">
   <p:cSld name="Blank">
     <p:spTree>
       <p:nvGrpSpPr>
@@ -2591,7 +2591,7 @@
             <a:fld id="{B50F8758-A08F-1348-96F2-3E0A00C94667}" type="datetimeFigureOut">
               <a:rPr lang="en-US" smtClean="0"/>
               <a:pPr/>
-              <a:t>3/27/2013</a:t>
+              <a:t>4/28/13</a:t>
             </a:fld>
             <a:endParaRPr lang="en-US"/>
           </a:p>
@@ -2662,7 +2662,7 @@
 </file>
 
 <file path=ppt/slideLayouts/slideLayout8.xml><?xml version="1.0" encoding="utf-8"?>
-<p:sldLayout xmlns:a="http://schemas.openxmlformats.org/drawingml/2006/main" xmlns:r="http://schemas.openxmlformats.org/officeDocument/2006/relationships" xmlns:p="http://schemas.openxmlformats.org/presentationml/2006/main" type="objTx" preserve="1">
+<p:sldLayout xmlns:a="http://schemas.openxmlformats.org/drawingml/2006/main" xmlns:r="http://schemas.openxmlformats.org/officeDocument/2006/relationships" xmlns:mc="http://schemas.openxmlformats.org/markup-compatibility/2006" xmlns:mv="urn:schemas-microsoft-com:mac:vml" xmlns:p="http://schemas.openxmlformats.org/presentationml/2006/main" mc:Ignorable="mv" mc:PreserveAttributes="mv:*" type="objTx" preserve="1">
   <p:cSld name="Content with Caption">
     <p:spTree>
       <p:nvGrpSpPr>
@@ -2729,7 +2729,7 @@
             <a:fld id="{B50F8758-A08F-1348-96F2-3E0A00C94667}" type="datetimeFigureOut">
               <a:rPr lang="en-US" smtClean="0"/>
               <a:pPr/>
-              <a:t>3/27/2013</a:t>
+              <a:t>4/28/13</a:t>
             </a:fld>
             <a:endParaRPr lang="en-US"/>
           </a:p>
@@ -2926,7 +2926,7 @@
 </file>
 
 <file path=ppt/slideLayouts/slideLayout9.xml><?xml version="1.0" encoding="utf-8"?>
-<p:sldLayout xmlns:a="http://schemas.openxmlformats.org/drawingml/2006/main" xmlns:r="http://schemas.openxmlformats.org/officeDocument/2006/relationships" xmlns:p="http://schemas.openxmlformats.org/presentationml/2006/main" showMasterSp="0" type="picTx" preserve="1">
+<p:sldLayout xmlns:a="http://schemas.openxmlformats.org/drawingml/2006/main" xmlns:r="http://schemas.openxmlformats.org/officeDocument/2006/relationships" xmlns:mc="http://schemas.openxmlformats.org/markup-compatibility/2006" xmlns:mv="urn:schemas-microsoft-com:mac:vml" xmlns:p="http://schemas.openxmlformats.org/presentationml/2006/main" mc:Ignorable="mv" mc:PreserveAttributes="mv:*" showMasterSp="0" type="picTx" preserve="1">
   <p:cSld name="Picture with Caption">
     <p:spTree>
       <p:nvGrpSpPr>
@@ -3244,7 +3244,7 @@
             <a:fld id="{B50F8758-A08F-1348-96F2-3E0A00C94667}" type="datetimeFigureOut">
               <a:rPr lang="en-US" smtClean="0"/>
               <a:pPr/>
-              <a:t>3/27/2013</a:t>
+              <a:t>4/28/13</a:t>
             </a:fld>
             <a:endParaRPr lang="en-US"/>
           </a:p>
@@ -3357,7 +3357,7 @@
 </file>
 
 <file path=ppt/slideMasters/slideMaster1.xml><?xml version="1.0" encoding="utf-8"?>
-<p:sldMaster xmlns:a="http://schemas.openxmlformats.org/drawingml/2006/main" xmlns:r="http://schemas.openxmlformats.org/officeDocument/2006/relationships" xmlns:p="http://schemas.openxmlformats.org/presentationml/2006/main">
+<p:sldMaster xmlns:a="http://schemas.openxmlformats.org/drawingml/2006/main" xmlns:r="http://schemas.openxmlformats.org/officeDocument/2006/relationships" xmlns:mc="http://schemas.openxmlformats.org/markup-compatibility/2006" xmlns:mv="urn:schemas-microsoft-com:mac:vml" xmlns:p="http://schemas.openxmlformats.org/presentationml/2006/main" mc:Ignorable="mv" mc:PreserveAttributes="mv:*">
   <p:cSld>
     <p:bg>
       <p:bgRef idx="1001">
@@ -3507,7 +3507,7 @@
             <a:fld id="{B50F8758-A08F-1348-96F2-3E0A00C94667}" type="datetimeFigureOut">
               <a:rPr lang="en-US" smtClean="0"/>
               <a:pPr/>
-              <a:t>3/27/2013</a:t>
+              <a:t>4/28/13</a:t>
             </a:fld>
             <a:endParaRPr lang="en-US"/>
           </a:p>
@@ -4031,7 +4031,7 @@
 </file>
 
 <file path=ppt/slides/slide1.xml><?xml version="1.0" encoding="utf-8"?>
-<p:sld xmlns:a="http://schemas.openxmlformats.org/drawingml/2006/main" xmlns:r="http://schemas.openxmlformats.org/officeDocument/2006/relationships" xmlns:p="http://schemas.openxmlformats.org/presentationml/2006/main">
+<p:sld xmlns:a="http://schemas.openxmlformats.org/drawingml/2006/main" xmlns:r="http://schemas.openxmlformats.org/officeDocument/2006/relationships" xmlns:mc="http://schemas.openxmlformats.org/markup-compatibility/2006" xmlns:mv="urn:schemas-microsoft-com:mac:vml" xmlns:p="http://schemas.openxmlformats.org/presentationml/2006/main" mc:Ignorable="mv" mc:PreserveAttributes="mv:*">
   <p:cSld>
     <p:spTree>
       <p:nvGrpSpPr>
@@ -4065,7 +4065,7 @@
         </p:spPr>
         <p:txBody>
           <a:bodyPr>
-            <a:normAutofit fontScale="92500" lnSpcReduction="10000"/>
+            <a:normAutofit fontScale="85000" lnSpcReduction="10000"/>
           </a:bodyPr>
           <a:lstStyle/>
           <a:p>
@@ -4198,7 +4198,7 @@
 </file>
 
 <file path=ppt/slides/slide10.xml><?xml version="1.0" encoding="utf-8"?>
-<p:sld xmlns:a="http://schemas.openxmlformats.org/drawingml/2006/main" xmlns:r="http://schemas.openxmlformats.org/officeDocument/2006/relationships" xmlns:p="http://schemas.openxmlformats.org/presentationml/2006/main">
+<p:sld xmlns:a="http://schemas.openxmlformats.org/drawingml/2006/main" xmlns:r="http://schemas.openxmlformats.org/officeDocument/2006/relationships" xmlns:mc="http://schemas.openxmlformats.org/markup-compatibility/2006" xmlns:mv="urn:schemas-microsoft-com:mac:vml" xmlns:p="http://schemas.openxmlformats.org/presentationml/2006/main" mc:Ignorable="mv" mc:PreserveAttributes="mv:*">
   <p:cSld>
     <p:spTree>
       <p:nvGrpSpPr>
@@ -4250,7 +4250,7 @@
         <p:spPr/>
         <p:txBody>
           <a:bodyPr>
-            <a:normAutofit fontScale="92500" lnSpcReduction="10000"/>
+            <a:normAutofit fontScale="92500" lnSpcReduction="20000"/>
           </a:bodyPr>
           <a:lstStyle/>
           <a:p>
@@ -4316,7 +4316,7 @@
 </file>
 
 <file path=ppt/slides/slide11.xml><?xml version="1.0" encoding="utf-8"?>
-<p:sld xmlns:a="http://schemas.openxmlformats.org/drawingml/2006/main" xmlns:r="http://schemas.openxmlformats.org/officeDocument/2006/relationships" xmlns:p="http://schemas.openxmlformats.org/presentationml/2006/main">
+<p:sld xmlns:a="http://schemas.openxmlformats.org/drawingml/2006/main" xmlns:r="http://schemas.openxmlformats.org/officeDocument/2006/relationships" xmlns:mc="http://schemas.openxmlformats.org/markup-compatibility/2006" xmlns:mv="urn:schemas-microsoft-com:mac:vml" xmlns:p="http://schemas.openxmlformats.org/presentationml/2006/main" mc:Ignorable="mv" mc:PreserveAttributes="mv:*">
   <p:cSld>
     <p:spTree>
       <p:nvGrpSpPr>
@@ -4368,7 +4368,7 @@
         <p:spPr/>
         <p:txBody>
           <a:bodyPr>
-            <a:normAutofit/>
+            <a:normAutofit lnSpcReduction="10000"/>
           </a:bodyPr>
           <a:lstStyle/>
           <a:p>
@@ -4418,7 +4418,7 @@
 </file>
 
 <file path=ppt/slides/slide12.xml><?xml version="1.0" encoding="utf-8"?>
-<p:sld xmlns:a="http://schemas.openxmlformats.org/drawingml/2006/main" xmlns:r="http://schemas.openxmlformats.org/officeDocument/2006/relationships" xmlns:p="http://schemas.openxmlformats.org/presentationml/2006/main">
+<p:sld xmlns:a="http://schemas.openxmlformats.org/drawingml/2006/main" xmlns:r="http://schemas.openxmlformats.org/officeDocument/2006/relationships" xmlns:mc="http://schemas.openxmlformats.org/markup-compatibility/2006" xmlns:mv="urn:schemas-microsoft-com:mac:vml" xmlns:p="http://schemas.openxmlformats.org/presentationml/2006/main" mc:Ignorable="mv" mc:PreserveAttributes="mv:*">
   <p:cSld>
     <p:spTree>
       <p:nvGrpSpPr>
@@ -4513,7 +4513,7 @@
     </p:spTree>
     <p:extLst>
       <p:ext uri="{BB962C8B-B14F-4D97-AF65-F5344CB8AC3E}">
-        <p14:creationId xmlns:p14="http://schemas.microsoft.com/office/powerpoint/2010/main" xmlns="" val="1652202743"/>
+        <p14:creationId xmlns="" xmlns:p14="http://schemas.microsoft.com/office/powerpoint/2010/main" xmlns:p="http://schemas.openxmlformats.org/presentationml/2006/main" xmlns:r="http://schemas.openxmlformats.org/officeDocument/2006/relationships" xmlns:a="http://schemas.openxmlformats.org/drawingml/2006/main" val="1652202743"/>
       </p:ext>
     </p:extLst>
   </p:cSld>
@@ -4531,7 +4531,7 @@
 </file>
 
 <file path=ppt/slides/slide2.xml><?xml version="1.0" encoding="utf-8"?>
-<p:sld xmlns:a="http://schemas.openxmlformats.org/drawingml/2006/main" xmlns:r="http://schemas.openxmlformats.org/officeDocument/2006/relationships" xmlns:p="http://schemas.openxmlformats.org/presentationml/2006/main">
+<p:sld xmlns:a="http://schemas.openxmlformats.org/drawingml/2006/main" xmlns:r="http://schemas.openxmlformats.org/officeDocument/2006/relationships" xmlns:mc="http://schemas.openxmlformats.org/markup-compatibility/2006" xmlns:mv="urn:schemas-microsoft-com:mac:vml" xmlns:p="http://schemas.openxmlformats.org/presentationml/2006/main" mc:Ignorable="mv" mc:PreserveAttributes="mv:*">
   <p:cSld>
     <p:spTree>
       <p:nvGrpSpPr>
@@ -4593,15 +4593,7 @@
             </a:pPr>
             <a:r>
               <a:rPr lang="en-AU" dirty="0" smtClean="0"/>
-              <a:t>Action Items from </a:t>
-            </a:r>
-            <a:r>
-              <a:rPr lang="en-AU" dirty="0" smtClean="0"/>
-              <a:t>P</a:t>
-            </a:r>
-            <a:r>
-              <a:rPr lang="en-AU" dirty="0" smtClean="0"/>
-              <a:t>revious Meeting</a:t>
+              <a:t>Action Items from Previous Meeting</a:t>
             </a:r>
           </a:p>
           <a:p>
@@ -4611,11 +4603,7 @@
             </a:pPr>
             <a:r>
               <a:rPr lang="en-AU" dirty="0" smtClean="0"/>
-              <a:t>Project </a:t>
-            </a:r>
-            <a:r>
-              <a:rPr lang="en-AU" dirty="0" smtClean="0"/>
-              <a:t>Report</a:t>
+              <a:t>Project Report</a:t>
             </a:r>
           </a:p>
           <a:p>
@@ -4688,7 +4676,7 @@
 </file>
 
 <file path=ppt/slides/slide3.xml><?xml version="1.0" encoding="utf-8"?>
-<p:sld xmlns:a="http://schemas.openxmlformats.org/drawingml/2006/main" xmlns:r="http://schemas.openxmlformats.org/officeDocument/2006/relationships" xmlns:p="http://schemas.openxmlformats.org/presentationml/2006/main">
+<p:sld xmlns:a="http://schemas.openxmlformats.org/drawingml/2006/main" xmlns:r="http://schemas.openxmlformats.org/officeDocument/2006/relationships" xmlns:mc="http://schemas.openxmlformats.org/markup-compatibility/2006" xmlns:mv="urn:schemas-microsoft-com:mac:vml" xmlns:p="http://schemas.openxmlformats.org/presentationml/2006/main" mc:Ignorable="mv" mc:PreserveAttributes="mv:*">
   <p:cSld>
     <p:spTree>
       <p:nvGrpSpPr>
@@ -4736,14 +4724,14 @@
           <p:nvPr>
             <p:extLst>
               <p:ext uri="{D42A27DB-BD31-4B8C-83A1-F6EECF244321}">
-                <p14:modId xmlns:p14="http://schemas.microsoft.com/office/powerpoint/2010/main" xmlns="" val="1334576338"/>
+                <p14:modId xmlns="" xmlns:p14="http://schemas.microsoft.com/office/powerpoint/2010/main" xmlns:p="http://schemas.openxmlformats.org/presentationml/2006/main" xmlns:r="http://schemas.openxmlformats.org/officeDocument/2006/relationships" xmlns:a="http://schemas.openxmlformats.org/drawingml/2006/main" val="1334576338"/>
               </p:ext>
             </p:extLst>
           </p:nvPr>
         </p:nvGraphicFramePr>
         <p:xfrm>
           <a:off x="612645" y="1193277"/>
-          <a:ext cx="8344542" cy="4973320"/>
+          <a:ext cx="8344542" cy="5674359"/>
         </p:xfrm>
         <a:graphic>
           <a:graphicData uri="http://schemas.openxmlformats.org/drawingml/2006/table">
@@ -5120,7 +5108,7 @@
 </file>
 
 <file path=ppt/slides/slide4.xml><?xml version="1.0" encoding="utf-8"?>
-<p:sld xmlns:a="http://schemas.openxmlformats.org/drawingml/2006/main" xmlns:r="http://schemas.openxmlformats.org/officeDocument/2006/relationships" xmlns:p="http://schemas.openxmlformats.org/presentationml/2006/main">
+<p:sld xmlns:a="http://schemas.openxmlformats.org/drawingml/2006/main" xmlns:r="http://schemas.openxmlformats.org/officeDocument/2006/relationships" xmlns:mc="http://schemas.openxmlformats.org/markup-compatibility/2006" xmlns:mv="urn:schemas-microsoft-com:mac:vml" xmlns:p="http://schemas.openxmlformats.org/presentationml/2006/main" mc:Ignorable="mv" mc:PreserveAttributes="mv:*">
   <p:cSld>
     <p:spTree>
       <p:nvGrpSpPr>
@@ -5177,7 +5165,7 @@
         </p:spPr>
         <p:txBody>
           <a:bodyPr>
-            <a:normAutofit fontScale="92500" lnSpcReduction="10000"/>
+            <a:normAutofit fontScale="85000" lnSpcReduction="10000"/>
           </a:bodyPr>
           <a:lstStyle/>
           <a:p>
@@ -5312,7 +5300,7 @@
 </file>
 
 <file path=ppt/slides/slide5.xml><?xml version="1.0" encoding="utf-8"?>
-<p:sld xmlns:a="http://schemas.openxmlformats.org/drawingml/2006/main" xmlns:r="http://schemas.openxmlformats.org/officeDocument/2006/relationships" xmlns:p="http://schemas.openxmlformats.org/presentationml/2006/main">
+<p:sld xmlns:a="http://schemas.openxmlformats.org/drawingml/2006/main" xmlns:r="http://schemas.openxmlformats.org/officeDocument/2006/relationships" xmlns:mc="http://schemas.openxmlformats.org/markup-compatibility/2006" xmlns:mv="urn:schemas-microsoft-com:mac:vml" xmlns:p="http://schemas.openxmlformats.org/presentationml/2006/main" mc:Ignorable="mv" mc:PreserveAttributes="mv:*">
   <p:cSld>
     <p:spTree>
       <p:nvGrpSpPr>
@@ -5516,7 +5504,7 @@
 </file>
 
 <file path=ppt/slides/slide6.xml><?xml version="1.0" encoding="utf-8"?>
-<p:sld xmlns:a="http://schemas.openxmlformats.org/drawingml/2006/main" xmlns:r="http://schemas.openxmlformats.org/officeDocument/2006/relationships" xmlns:p="http://schemas.openxmlformats.org/presentationml/2006/main">
+<p:sld xmlns:a="http://schemas.openxmlformats.org/drawingml/2006/main" xmlns:r="http://schemas.openxmlformats.org/officeDocument/2006/relationships" xmlns:mc="http://schemas.openxmlformats.org/markup-compatibility/2006" xmlns:mv="urn:schemas-microsoft-com:mac:vml" xmlns:p="http://schemas.openxmlformats.org/presentationml/2006/main" mc:Ignorable="mv" mc:PreserveAttributes="mv:*">
   <p:cSld>
     <p:spTree>
       <p:nvGrpSpPr>
@@ -5575,7 +5563,7 @@
         </p:spPr>
         <p:txBody>
           <a:bodyPr>
-            <a:normAutofit/>
+            <a:normAutofit lnSpcReduction="10000"/>
           </a:bodyPr>
           <a:lstStyle/>
           <a:p>
@@ -5601,15 +5589,7 @@
             </a:r>
             <a:r>
               <a:rPr lang="en-AU" sz="2800" dirty="0" smtClean="0"/>
-              <a:t> contribution: $</a:t>
-            </a:r>
-            <a:r>
-              <a:rPr lang="en-AU" sz="2800" dirty="0" smtClean="0"/>
-              <a:t>289,000 </a:t>
-            </a:r>
-            <a:r>
-              <a:rPr lang="en-AU" sz="2800" dirty="0" smtClean="0"/>
-              <a:t>(note revised down from initial request)</a:t>
+              <a:t> contribution: $289,000 (note revised down from initial request)</a:t>
             </a:r>
           </a:p>
           <a:p>
@@ -5696,7 +5676,7 @@
 </file>
 
 <file path=ppt/slides/slide7.xml><?xml version="1.0" encoding="utf-8"?>
-<p:sld xmlns:a="http://schemas.openxmlformats.org/drawingml/2006/main" xmlns:r="http://schemas.openxmlformats.org/officeDocument/2006/relationships" xmlns:p="http://schemas.openxmlformats.org/presentationml/2006/main">
+<p:sld xmlns:a="http://schemas.openxmlformats.org/drawingml/2006/main" xmlns:r="http://schemas.openxmlformats.org/officeDocument/2006/relationships" xmlns:mc="http://schemas.openxmlformats.org/markup-compatibility/2006" xmlns:mv="urn:schemas-microsoft-com:mac:vml" xmlns:p="http://schemas.openxmlformats.org/presentationml/2006/main" mc:Ignorable="mv" mc:PreserveAttributes="mv:*">
   <p:cSld>
     <p:spTree>
       <p:nvGrpSpPr>
@@ -5753,7 +5733,7 @@
           <a:blip r:embed="rId2">
             <a:extLst>
               <a:ext uri="{28A0092B-C50C-407E-A947-70E740481C1C}">
-                <a14:useLocalDpi xmlns:a14="http://schemas.microsoft.com/office/drawing/2010/main" xmlns="" val="0"/>
+                <a14:useLocalDpi xmlns="" xmlns:a14="http://schemas.microsoft.com/office/drawing/2010/main" xmlns:p="http://schemas.openxmlformats.org/presentationml/2006/main" xmlns:r="http://schemas.openxmlformats.org/officeDocument/2006/relationships" xmlns:a="http://schemas.openxmlformats.org/drawingml/2006/main" val="0"/>
               </a:ext>
             </a:extLst>
           </a:blip>
@@ -5770,7 +5750,7 @@
     </p:spTree>
     <p:extLst>
       <p:ext uri="{BB962C8B-B14F-4D97-AF65-F5344CB8AC3E}">
-        <p14:creationId xmlns:p14="http://schemas.microsoft.com/office/powerpoint/2010/main" xmlns="" val="484579873"/>
+        <p14:creationId xmlns="" xmlns:p14="http://schemas.microsoft.com/office/powerpoint/2010/main" xmlns:p="http://schemas.openxmlformats.org/presentationml/2006/main" xmlns:r="http://schemas.openxmlformats.org/officeDocument/2006/relationships" xmlns:a="http://schemas.openxmlformats.org/drawingml/2006/main" val="484579873"/>
       </p:ext>
     </p:extLst>
   </p:cSld>
@@ -5788,7 +5768,7 @@
 </file>
 
 <file path=ppt/slides/slide8.xml><?xml version="1.0" encoding="utf-8"?>
-<p:sld xmlns:a="http://schemas.openxmlformats.org/drawingml/2006/main" xmlns:r="http://schemas.openxmlformats.org/officeDocument/2006/relationships" xmlns:p="http://schemas.openxmlformats.org/presentationml/2006/main">
+<p:sld xmlns:a="http://schemas.openxmlformats.org/drawingml/2006/main" xmlns:r="http://schemas.openxmlformats.org/officeDocument/2006/relationships" xmlns:mc="http://schemas.openxmlformats.org/markup-compatibility/2006" xmlns:mv="urn:schemas-microsoft-com:mac:vml" xmlns:p="http://schemas.openxmlformats.org/presentationml/2006/main" mc:Ignorable="mv" mc:PreserveAttributes="mv:*">
   <p:cSld>
     <p:spTree>
       <p:nvGrpSpPr>
@@ -5845,7 +5825,7 @@
           <a:blip r:embed="rId2">
             <a:extLst>
               <a:ext uri="{28A0092B-C50C-407E-A947-70E740481C1C}">
-                <a14:useLocalDpi xmlns:a14="http://schemas.microsoft.com/office/drawing/2010/main" xmlns="" val="0"/>
+                <a14:useLocalDpi xmlns="" xmlns:a14="http://schemas.microsoft.com/office/drawing/2010/main" xmlns:p="http://schemas.openxmlformats.org/presentationml/2006/main" xmlns:r="http://schemas.openxmlformats.org/officeDocument/2006/relationships" xmlns:a="http://schemas.openxmlformats.org/drawingml/2006/main" val="0"/>
               </a:ext>
             </a:extLst>
           </a:blip>
@@ -5886,7 +5866,7 @@
 </file>
 
 <file path=ppt/slides/slide9.xml><?xml version="1.0" encoding="utf-8"?>
-<p:sld xmlns:a="http://schemas.openxmlformats.org/drawingml/2006/main" xmlns:r="http://schemas.openxmlformats.org/officeDocument/2006/relationships" xmlns:p="http://schemas.openxmlformats.org/presentationml/2006/main">
+<p:sld xmlns:a="http://schemas.openxmlformats.org/drawingml/2006/main" xmlns:r="http://schemas.openxmlformats.org/officeDocument/2006/relationships" xmlns:mc="http://schemas.openxmlformats.org/markup-compatibility/2006" xmlns:mv="urn:schemas-microsoft-com:mac:vml" xmlns:p="http://schemas.openxmlformats.org/presentationml/2006/main" mc:Ignorable="mv" mc:PreserveAttributes="mv:*">
   <p:cSld>
     <p:spTree>
       <p:nvGrpSpPr>
@@ -5963,11 +5943,7 @@
             <a:pPr lvl="0"/>
             <a:r>
               <a:rPr lang="en-AU" dirty="0" smtClean="0"/>
-              <a:t>Date for next meeting – propose mid June, 2013</a:t>
-            </a:r>
-            <a:r>
-              <a:rPr lang="en-AU" dirty="0" smtClean="0"/>
-              <a:t>.</a:t>
+              <a:t>Date for next meeting – propose mid June, 2013.</a:t>
             </a:r>
           </a:p>
           <a:p>
@@ -5980,7 +5956,6 @@
               <a:rPr lang="en-AU" dirty="0" smtClean="0"/>
               <a:t> via email next report milestone</a:t>
             </a:r>
-            <a:endParaRPr lang="en-AU" dirty="0" smtClean="0"/>
           </a:p>
           <a:p>
             <a:r>
